--- a/diapo.pptx
+++ b/diapo.pptx
@@ -7,6 +7,10 @@
   <p:sldIdLst>
     <p:sldId id="256" r:id="rId2"/>
     <p:sldId id="257" r:id="rId3"/>
+    <p:sldId id="258" r:id="rId4"/>
+    <p:sldId id="259" r:id="rId5"/>
+    <p:sldId id="260" r:id="rId6"/>
+    <p:sldId id="261" r:id="rId7"/>
   </p:sldIdLst>
   <p:sldSz cx="12192000" cy="6858000"/>
   <p:notesSz cx="6858000" cy="9144000"/>
@@ -105,6 +109,11 @@
       </a:defRPr>
     </a:lvl9pPr>
   </p:defaultTextStyle>
+  <p:extLst>
+    <p:ext uri="{EFAFB233-063F-42B5-8137-9DF3F51BA10A}">
+      <p15:sldGuideLst xmlns:p15="http://schemas.microsoft.com/office/powerpoint/2012/main"/>
+    </p:ext>
+  </p:extLst>
 </p:presentation>
 </file>
 
@@ -264,7 +273,7 @@
           <a:p>
             <a:fld id="{5E7AA473-D82F-4EFF-9DF7-AE6D83C51288}" type="datetime1">
               <a:rPr lang="en-US" smtClean="0"/>
-              <a:t>11/28/2022</a:t>
+              <a:t>11/30/2022</a:t>
             </a:fld>
             <a:endParaRPr lang="en-US"/>
           </a:p>
@@ -518,7 +527,7 @@
           <a:p>
             <a:fld id="{1E12F1F0-FE2D-4C1C-B320-8CB9BE735F0F}" type="datetime1">
               <a:rPr lang="en-US" smtClean="0"/>
-              <a:t>11/28/2022</a:t>
+              <a:t>11/30/2022</a:t>
             </a:fld>
             <a:endParaRPr lang="en-US"/>
           </a:p>
@@ -786,7 +795,7 @@
           <a:p>
             <a:fld id="{2CF1B96C-10FD-4EBC-9029-9652B7535D02}" type="datetime1">
               <a:rPr lang="en-US" smtClean="0"/>
-              <a:t>11/28/2022</a:t>
+              <a:t>11/30/2022</a:t>
             </a:fld>
             <a:endParaRPr lang="en-US"/>
           </a:p>
@@ -1040,7 +1049,7 @@
           <a:p>
             <a:fld id="{14878474-CC00-4A95-9D50-A41C12D1EEC4}" type="datetime1">
               <a:rPr lang="en-US" smtClean="0"/>
-              <a:t>11/28/2022</a:t>
+              <a:t>11/30/2022</a:t>
             </a:fld>
             <a:endParaRPr lang="en-US"/>
           </a:p>
@@ -1318,7 +1327,7 @@
           <a:p>
             <a:fld id="{7F38C8B4-7FBB-408F-BDB9-F0496874AFB2}" type="datetime1">
               <a:rPr lang="en-US" smtClean="0"/>
-              <a:t>11/28/2022</a:t>
+              <a:t>11/30/2022</a:t>
             </a:fld>
             <a:endParaRPr lang="en-US"/>
           </a:p>
@@ -1590,7 +1599,7 @@
           <a:p>
             <a:fld id="{2BB8EE20-A5E2-47D3-8F6D-A2BA7AB2E093}" type="datetime1">
               <a:rPr lang="en-US" smtClean="0"/>
-              <a:t>11/28/2022</a:t>
+              <a:t>11/30/2022</a:t>
             </a:fld>
             <a:endParaRPr lang="en-US"/>
           </a:p>
@@ -2148,7 +2157,7 @@
           <a:p>
             <a:fld id="{3382CF99-132F-413F-B7EF-71A5C33F2ED6}" type="datetime1">
               <a:rPr lang="en-US" smtClean="0"/>
-              <a:t>11/28/2022</a:t>
+              <a:t>11/30/2022</a:t>
             </a:fld>
             <a:endParaRPr lang="en-US"/>
           </a:p>
@@ -2290,7 +2299,7 @@
           <a:p>
             <a:fld id="{1F17AE06-98E0-4D9F-A059-92C3548821BB}" type="datetime1">
               <a:rPr lang="en-US" smtClean="0"/>
-              <a:t>11/28/2022</a:t>
+              <a:t>11/30/2022</a:t>
             </a:fld>
             <a:endParaRPr lang="en-US"/>
           </a:p>
@@ -2403,7 +2412,7 @@
           <a:p>
             <a:fld id="{FFBA00CA-3DDC-4705-B840-978EF5EA0707}" type="datetime1">
               <a:rPr lang="en-US" smtClean="0"/>
-              <a:t>11/28/2022</a:t>
+              <a:t>11/30/2022</a:t>
             </a:fld>
             <a:endParaRPr lang="en-US"/>
           </a:p>
@@ -2722,7 +2731,7 @@
           <a:p>
             <a:fld id="{FC366D49-0BBA-4C5A-AD96-6448CA63451A}" type="datetime1">
               <a:rPr lang="en-US" smtClean="0"/>
-              <a:t>11/28/2022</a:t>
+              <a:t>11/30/2022</a:t>
             </a:fld>
             <a:endParaRPr lang="en-US"/>
           </a:p>
@@ -3019,7 +3028,7 @@
           <a:p>
             <a:fld id="{4F4EB293-A316-472D-A8B4-6947CF1A12B7}" type="datetime1">
               <a:rPr lang="en-US" smtClean="0"/>
-              <a:t>11/28/2022</a:t>
+              <a:t>11/30/2022</a:t>
             </a:fld>
             <a:endParaRPr lang="en-US"/>
           </a:p>
@@ -3298,7 +3307,7 @@
           <a:p>
             <a:fld id="{734BCCD4-CEB1-405B-A443-DD9CBCBEA552}" type="datetime1">
               <a:rPr lang="en-US" smtClean="0"/>
-              <a:t>11/28/2022</a:t>
+              <a:t>11/30/2022</a:t>
             </a:fld>
             <a:endParaRPr lang="en-US"/>
           </a:p>
@@ -4228,6 +4237,14 @@
 <file path=ppt/slides/slide2.xml><?xml version="1.0" encoding="utf-8"?>
 <p:sld xmlns:a="http://schemas.openxmlformats.org/drawingml/2006/main" xmlns:r="http://schemas.openxmlformats.org/officeDocument/2006/relationships" xmlns:p="http://schemas.openxmlformats.org/presentationml/2006/main">
   <p:cSld>
+    <p:bg>
+      <p:bgPr>
+        <a:solidFill>
+          <a:schemeClr val="bg2"/>
+        </a:solidFill>
+        <a:effectLst/>
+      </p:bgPr>
+    </p:bg>
     <p:spTree>
       <p:nvGrpSpPr>
         <p:cNvPr id="1" name=""/>
@@ -4242,12 +4259,166 @@
           <a:chExt cx="0" cy="0"/>
         </a:xfrm>
       </p:grpSpPr>
+      <p:sp useBgFill="1">
+        <p:nvSpPr>
+          <p:cNvPr id="225" name="Rectangle 221">
+            <a:extLst>
+              <a:ext uri="{FF2B5EF4-FFF2-40B4-BE49-F238E27FC236}">
+                <a16:creationId xmlns:a16="http://schemas.microsoft.com/office/drawing/2014/main" id="{956C5C09-0043-4549-B800-2101B70D667D}"/>
+              </a:ext>
+              <a:ext uri="{C183D7F6-B498-43B3-948B-1728B52AA6E4}">
+                <adec:decorative xmlns:adec="http://schemas.microsoft.com/office/drawing/2017/decorative" val="1"/>
+              </a:ext>
+            </a:extLst>
+          </p:cNvPr>
+          <p:cNvSpPr>
+            <a:spLocks noGrp="1" noRot="1" noChangeAspect="1" noMove="1" noResize="1" noEditPoints="1" noAdjustHandles="1" noChangeArrowheads="1" noChangeShapeType="1" noTextEdit="1"/>
+          </p:cNvSpPr>
+          <p:nvPr>
+            <p:extLst>
+              <p:ext uri="{386F3935-93C4-4BCD-93E2-E3B085C9AB24}">
+                <p16:designElem xmlns:p16="http://schemas.microsoft.com/office/powerpoint/2015/main" val="1"/>
+              </p:ext>
+            </p:extLst>
+          </p:nvPr>
+        </p:nvSpPr>
+        <p:spPr>
+          <a:xfrm>
+            <a:off x="0" y="0"/>
+            <a:ext cx="12188952" cy="6857995"/>
+          </a:xfrm>
+          <a:prstGeom prst="rect">
+            <a:avLst/>
+          </a:prstGeom>
+          <a:ln>
+            <a:noFill/>
+          </a:ln>
+        </p:spPr>
+        <p:style>
+          <a:lnRef idx="2">
+            <a:schemeClr val="accent1">
+              <a:shade val="50000"/>
+            </a:schemeClr>
+          </a:lnRef>
+          <a:fillRef idx="1">
+            <a:schemeClr val="accent1"/>
+          </a:fillRef>
+          <a:effectRef idx="0">
+            <a:schemeClr val="accent1"/>
+          </a:effectRef>
+          <a:fontRef idx="minor">
+            <a:schemeClr val="lt1"/>
+          </a:fontRef>
+        </p:style>
+        <p:txBody>
+          <a:bodyPr rtlCol="0" anchor="ctr"/>
+          <a:lstStyle/>
+          <a:p>
+            <a:pPr algn="ctr"/>
+            <a:endParaRPr lang="en-US" dirty="0"/>
+          </a:p>
+        </p:txBody>
+      </p:sp>
+      <p:sp>
+        <p:nvSpPr>
+          <p:cNvPr id="224" name="Rectangle 223">
+            <a:extLst>
+              <a:ext uri="{FF2B5EF4-FFF2-40B4-BE49-F238E27FC236}">
+                <a16:creationId xmlns:a16="http://schemas.microsoft.com/office/drawing/2014/main" id="{B7E2F724-2FB3-4D1D-A730-739B8654C030}"/>
+              </a:ext>
+              <a:ext uri="{C183D7F6-B498-43B3-948B-1728B52AA6E4}">
+                <adec:decorative xmlns:adec="http://schemas.microsoft.com/office/drawing/2017/decorative" val="1"/>
+              </a:ext>
+            </a:extLst>
+          </p:cNvPr>
+          <p:cNvSpPr>
+            <a:spLocks noGrp="1" noRot="1" noChangeAspect="1" noMove="1" noResize="1" noEditPoints="1" noAdjustHandles="1" noChangeArrowheads="1" noChangeShapeType="1" noTextEdit="1"/>
+          </p:cNvSpPr>
+          <p:nvPr>
+            <p:extLst>
+              <p:ext uri="{386F3935-93C4-4BCD-93E2-E3B085C9AB24}">
+                <p16:designElem xmlns:p16="http://schemas.microsoft.com/office/powerpoint/2015/main" val="1"/>
+              </p:ext>
+            </p:extLst>
+          </p:nvPr>
+        </p:nvSpPr>
+        <p:spPr>
+          <a:xfrm>
+            <a:off x="0" y="-2"/>
+            <a:ext cx="12192000" cy="6858001"/>
+          </a:xfrm>
+          <a:prstGeom prst="rect">
+            <a:avLst/>
+          </a:prstGeom>
+          <a:solidFill>
+            <a:srgbClr val="000000"/>
+          </a:solidFill>
+          <a:ln>
+            <a:noFill/>
+          </a:ln>
+        </p:spPr>
+        <p:style>
+          <a:lnRef idx="2">
+            <a:schemeClr val="accent1">
+              <a:shade val="50000"/>
+            </a:schemeClr>
+          </a:lnRef>
+          <a:fillRef idx="1">
+            <a:schemeClr val="accent1"/>
+          </a:fillRef>
+          <a:effectRef idx="0">
+            <a:schemeClr val="accent1"/>
+          </a:effectRef>
+          <a:fontRef idx="minor">
+            <a:schemeClr val="lt1"/>
+          </a:fontRef>
+        </p:style>
+        <p:txBody>
+          <a:bodyPr rtlCol="0" anchor="ctr"/>
+          <a:lstStyle/>
+          <a:p>
+            <a:pPr algn="ctr"/>
+            <a:endParaRPr lang="en-US" dirty="0"/>
+          </a:p>
+        </p:txBody>
+      </p:sp>
+      <p:pic>
+        <p:nvPicPr>
+          <p:cNvPr id="227" name="Picture 3">
+            <a:extLst>
+              <a:ext uri="{FF2B5EF4-FFF2-40B4-BE49-F238E27FC236}">
+                <a16:creationId xmlns:a16="http://schemas.microsoft.com/office/drawing/2014/main" id="{8BB61531-DE76-CB29-E269-1F7DFBFF9E31}"/>
+              </a:ext>
+            </a:extLst>
+          </p:cNvPr>
+          <p:cNvPicPr>
+            <a:picLocks noChangeAspect="1"/>
+          </p:cNvPicPr>
+          <p:nvPr/>
+        </p:nvPicPr>
+        <p:blipFill rotWithShape="1">
+          <a:blip r:embed="rId2">
+            <a:alphaModFix amt="40000"/>
+          </a:blip>
+          <a:srcRect t="8050" b="1589"/>
+          <a:stretch/>
+        </p:blipFill>
+        <p:spPr>
+          <a:xfrm>
+            <a:off x="-3049" y="-6"/>
+            <a:ext cx="12192001" cy="6858001"/>
+          </a:xfrm>
+          <a:prstGeom prst="rect">
+            <a:avLst/>
+          </a:prstGeom>
+        </p:spPr>
+      </p:pic>
       <p:sp>
         <p:nvSpPr>
           <p:cNvPr id="2" name="Titre 1">
             <a:extLst>
               <a:ext uri="{FF2B5EF4-FFF2-40B4-BE49-F238E27FC236}">
-                <a16:creationId xmlns:a16="http://schemas.microsoft.com/office/drawing/2014/main" id="{2A614D9D-DF33-44A2-91F9-ADCF2F7A8B24}"/>
+                <a16:creationId xmlns:a16="http://schemas.microsoft.com/office/drawing/2014/main" id="{1BC88DF3-63A5-3B43-8616-129FCB7B43DD}"/>
               </a:ext>
             </a:extLst>
           </p:cNvPr>
@@ -4255,24 +4426,88 @@
             <a:spLocks noGrp="1"/>
           </p:cNvSpPr>
           <p:nvPr>
-            <p:ph type="title"/>
-          </p:nvPr>
-        </p:nvSpPr>
-        <p:spPr/>
-        <p:txBody>
-          <a:bodyPr/>
-          <a:lstStyle/>
-          <a:p>
-            <a:endParaRPr lang="fr-FR" dirty="0"/>
-          </a:p>
-        </p:txBody>
-      </p:sp>
-      <p:sp>
-        <p:nvSpPr>
-          <p:cNvPr id="3" name="Espace réservé du contenu 2">
-            <a:extLst>
-              <a:ext uri="{FF2B5EF4-FFF2-40B4-BE49-F238E27FC236}">
-                <a16:creationId xmlns:a16="http://schemas.microsoft.com/office/drawing/2014/main" id="{765F83F3-1384-A1F7-69A3-BF14B4B7601E}"/>
+            <p:ph type="ctrTitle"/>
+          </p:nvPr>
+        </p:nvSpPr>
+        <p:spPr>
+          <a:xfrm>
+            <a:off x="631081" y="1971185"/>
+            <a:ext cx="11421581" cy="2334248"/>
+          </a:xfrm>
+        </p:spPr>
+        <p:txBody>
+          <a:bodyPr anchor="t">
+            <a:normAutofit fontScale="90000"/>
+          </a:bodyPr>
+          <a:lstStyle/>
+          <a:p>
+            <a:pPr>
+              <a:lnSpc>
+                <a:spcPct val="90000"/>
+              </a:lnSpc>
+            </a:pPr>
+            <a:r>
+              <a:rPr lang="fr-FR" sz="5000" dirty="0">
+                <a:solidFill>
+                  <a:srgbClr val="FFFFFF"/>
+                </a:solidFill>
+              </a:rPr>
+              <a:t>I/ Economie numérique</a:t>
+            </a:r>
+            <a:br>
+              <a:rPr lang="fr-FR" sz="5000" dirty="0">
+                <a:solidFill>
+                  <a:srgbClr val="FFFFFF"/>
+                </a:solidFill>
+              </a:rPr>
+            </a:br>
+            <a:r>
+              <a:rPr lang="fr-FR" sz="5000" dirty="0">
+                <a:solidFill>
+                  <a:srgbClr val="FFFFFF"/>
+                </a:solidFill>
+              </a:rPr>
+              <a:t>II/Création de la valeur ajoutée</a:t>
+            </a:r>
+            <a:br>
+              <a:rPr lang="fr-FR" sz="5000" dirty="0">
+                <a:solidFill>
+                  <a:srgbClr val="FFFFFF"/>
+                </a:solidFill>
+              </a:rPr>
+            </a:br>
+            <a:r>
+              <a:rPr lang="fr-FR" sz="5000" dirty="0">
+                <a:solidFill>
+                  <a:srgbClr val="FFFFFF"/>
+                </a:solidFill>
+              </a:rPr>
+              <a:t>III/ Les dérives de la collecte de données</a:t>
+            </a:r>
+            <a:br>
+              <a:rPr lang="fr-FR" sz="5000" dirty="0">
+                <a:solidFill>
+                  <a:srgbClr val="FFFFFF"/>
+                </a:solidFill>
+              </a:rPr>
+            </a:br>
+            <a:r>
+              <a:rPr lang="fr-FR" sz="5000" dirty="0">
+                <a:solidFill>
+                  <a:srgbClr val="FFFFFF"/>
+                </a:solidFill>
+              </a:rPr>
+              <a:t>IV/ La RGPD</a:t>
+            </a:r>
+          </a:p>
+        </p:txBody>
+      </p:sp>
+      <p:sp>
+        <p:nvSpPr>
+          <p:cNvPr id="3" name="Sous-titre 2">
+            <a:extLst>
+              <a:ext uri="{FF2B5EF4-FFF2-40B4-BE49-F238E27FC236}">
+                <a16:creationId xmlns:a16="http://schemas.microsoft.com/office/drawing/2014/main" id="{9DF7D3AB-199F-7C8C-F164-BEC85B6C2674}"/>
               </a:ext>
             </a:extLst>
           </p:cNvPr>
@@ -4280,28 +4515,2765 @@
             <a:spLocks noGrp="1"/>
           </p:cNvSpPr>
           <p:nvPr>
-            <p:ph idx="1"/>
-          </p:nvPr>
-        </p:nvSpPr>
-        <p:spPr/>
-        <p:txBody>
-          <a:bodyPr/>
-          <a:lstStyle/>
-          <a:p>
-            <a:endParaRPr lang="fr-FR"/>
+            <p:ph type="subTitle" idx="1"/>
+          </p:nvPr>
+        </p:nvSpPr>
+        <p:spPr>
+          <a:xfrm>
+            <a:off x="744293" y="5017577"/>
+            <a:ext cx="5040785" cy="1724029"/>
+          </a:xfrm>
+        </p:spPr>
+        <p:txBody>
+          <a:bodyPr anchor="t">
+            <a:normAutofit/>
+          </a:bodyPr>
+          <a:lstStyle/>
+          <a:p>
+            <a:endParaRPr lang="fr-FR" b="1" dirty="0">
+              <a:solidFill>
+                <a:srgbClr val="FFFFFF"/>
+              </a:solidFill>
+            </a:endParaRPr>
+          </a:p>
+        </p:txBody>
+      </p:sp>
+      <p:sp>
+        <p:nvSpPr>
+          <p:cNvPr id="226" name="Rectangle 225">
+            <a:extLst>
+              <a:ext uri="{FF2B5EF4-FFF2-40B4-BE49-F238E27FC236}">
+                <a16:creationId xmlns:a16="http://schemas.microsoft.com/office/drawing/2014/main" id="{B2C335F7-F61C-4EB4-80F2-4B1438FE66BB}"/>
+              </a:ext>
+              <a:ext uri="{C183D7F6-B498-43B3-948B-1728B52AA6E4}">
+                <adec:decorative xmlns:adec="http://schemas.microsoft.com/office/drawing/2017/decorative" val="1"/>
+              </a:ext>
+            </a:extLst>
+          </p:cNvPr>
+          <p:cNvSpPr>
+            <a:spLocks noGrp="1" noRot="1" noChangeAspect="1" noMove="1" noResize="1" noEditPoints="1" noAdjustHandles="1" noChangeArrowheads="1" noChangeShapeType="1" noTextEdit="1"/>
+          </p:cNvSpPr>
+          <p:nvPr>
+            <p:extLst>
+              <p:ext uri="{386F3935-93C4-4BCD-93E2-E3B085C9AB24}">
+                <p16:designElem xmlns:p16="http://schemas.microsoft.com/office/powerpoint/2015/main" val="1"/>
+              </p:ext>
+            </p:extLst>
+          </p:nvPr>
+        </p:nvSpPr>
+        <p:spPr>
+          <a:xfrm>
+            <a:off x="517870" y="508090"/>
+            <a:ext cx="5021183" cy="149279"/>
+          </a:xfrm>
+          <a:prstGeom prst="rect">
+            <a:avLst/>
+          </a:prstGeom>
+          <a:solidFill>
+            <a:srgbClr val="FFFFFF"/>
+          </a:solidFill>
+          <a:ln>
+            <a:noFill/>
+          </a:ln>
+        </p:spPr>
+        <p:style>
+          <a:lnRef idx="2">
+            <a:schemeClr val="accent1">
+              <a:shade val="50000"/>
+            </a:schemeClr>
+          </a:lnRef>
+          <a:fillRef idx="1">
+            <a:schemeClr val="accent1"/>
+          </a:fillRef>
+          <a:effectRef idx="0">
+            <a:schemeClr val="accent1"/>
+          </a:effectRef>
+          <a:fontRef idx="minor">
+            <a:schemeClr val="lt1"/>
+          </a:fontRef>
+        </p:style>
+        <p:txBody>
+          <a:bodyPr rtlCol="0" anchor="ctr"/>
+          <a:lstStyle/>
+          <a:p>
+            <a:pPr algn="ctr"/>
+            <a:endParaRPr lang="en-US"/>
           </a:p>
         </p:txBody>
       </p:sp>
     </p:spTree>
     <p:extLst>
       <p:ext uri="{BB962C8B-B14F-4D97-AF65-F5344CB8AC3E}">
-        <p14:creationId xmlns:p14="http://schemas.microsoft.com/office/powerpoint/2010/main" val="627178226"/>
+        <p14:creationId xmlns:p14="http://schemas.microsoft.com/office/powerpoint/2010/main" val="2906441837"/>
       </p:ext>
     </p:extLst>
   </p:cSld>
   <p:clrMapOvr>
     <a:masterClrMapping/>
   </p:clrMapOvr>
+  <p:timing>
+    <p:tnLst>
+      <p:par>
+        <p:cTn id="1" dur="indefinite" restart="never" nodeType="tmRoot">
+          <p:childTnLst>
+            <p:seq concurrent="1" nextAc="seek">
+              <p:cTn id="2" dur="indefinite" nodeType="mainSeq">
+                <p:childTnLst>
+                  <p:par>
+                    <p:cTn id="3" fill="hold">
+                      <p:stCondLst>
+                        <p:cond delay="indefinite"/>
+                        <p:cond evt="onBegin" delay="0">
+                          <p:tn val="2"/>
+                        </p:cond>
+                      </p:stCondLst>
+                      <p:childTnLst>
+                        <p:par>
+                          <p:cTn id="4" fill="hold">
+                            <p:stCondLst>
+                              <p:cond delay="0"/>
+                            </p:stCondLst>
+                            <p:childTnLst>
+                              <p:par>
+                                <p:cTn id="5" presetID="10" presetClass="entr" presetSubtype="0" fill="hold" grpId="0" nodeType="withEffect" nodePh="1">
+                                  <p:stCondLst>
+                                    <p:cond delay="2000"/>
+                                  </p:stCondLst>
+                                  <p:endCondLst>
+                                    <p:cond evt="begin" delay="0">
+                                      <p:tn val="5"/>
+                                    </p:cond>
+                                  </p:endCondLst>
+                                  <p:iterate type="lt">
+                                    <p:tmPct val="10000"/>
+                                  </p:iterate>
+                                  <p:childTnLst>
+                                    <p:set>
+                                      <p:cBhvr>
+                                        <p:cTn id="6" dur="1" fill="hold">
+                                          <p:stCondLst>
+                                            <p:cond delay="0"/>
+                                          </p:stCondLst>
+                                        </p:cTn>
+                                        <p:tgtEl>
+                                          <p:spTgt spid="3">
+                                            <p:txEl>
+                                              <p:pRg st="0" end="0"/>
+                                            </p:txEl>
+                                          </p:spTgt>
+                                        </p:tgtEl>
+                                        <p:attrNameLst>
+                                          <p:attrName>style.visibility</p:attrName>
+                                        </p:attrNameLst>
+                                      </p:cBhvr>
+                                      <p:to>
+                                        <p:strVal val="visible"/>
+                                      </p:to>
+                                    </p:set>
+                                    <p:animEffect transition="in" filter="fade">
+                                      <p:cBhvr>
+                                        <p:cTn id="7" dur="400"/>
+                                        <p:tgtEl>
+                                          <p:spTgt spid="3">
+                                            <p:txEl>
+                                              <p:pRg st="0" end="0"/>
+                                            </p:txEl>
+                                          </p:spTgt>
+                                        </p:tgtEl>
+                                      </p:cBhvr>
+                                    </p:animEffect>
+                                  </p:childTnLst>
+                                </p:cTn>
+                              </p:par>
+                              <p:par>
+                                <p:cTn id="8" presetID="10" presetClass="entr" presetSubtype="0" fill="hold" grpId="0" nodeType="withEffect">
+                                  <p:stCondLst>
+                                    <p:cond delay="1000"/>
+                                  </p:stCondLst>
+                                  <p:iterate type="lt">
+                                    <p:tmPct val="10000"/>
+                                  </p:iterate>
+                                  <p:childTnLst>
+                                    <p:set>
+                                      <p:cBhvr>
+                                        <p:cTn id="9" dur="1" fill="hold">
+                                          <p:stCondLst>
+                                            <p:cond delay="0"/>
+                                          </p:stCondLst>
+                                        </p:cTn>
+                                        <p:tgtEl>
+                                          <p:spTgt spid="2"/>
+                                        </p:tgtEl>
+                                        <p:attrNameLst>
+                                          <p:attrName>style.visibility</p:attrName>
+                                        </p:attrNameLst>
+                                      </p:cBhvr>
+                                      <p:to>
+                                        <p:strVal val="visible"/>
+                                      </p:to>
+                                    </p:set>
+                                    <p:animEffect transition="in" filter="fade">
+                                      <p:cBhvr>
+                                        <p:cTn id="10" dur="400"/>
+                                        <p:tgtEl>
+                                          <p:spTgt spid="2"/>
+                                        </p:tgtEl>
+                                      </p:cBhvr>
+                                    </p:animEffect>
+                                  </p:childTnLst>
+                                </p:cTn>
+                              </p:par>
+                            </p:childTnLst>
+                          </p:cTn>
+                        </p:par>
+                      </p:childTnLst>
+                    </p:cTn>
+                  </p:par>
+                </p:childTnLst>
+              </p:cTn>
+              <p:prevCondLst>
+                <p:cond evt="onPrev" delay="0">
+                  <p:tgtEl>
+                    <p:sldTgt/>
+                  </p:tgtEl>
+                </p:cond>
+              </p:prevCondLst>
+              <p:nextCondLst>
+                <p:cond evt="onNext" delay="0">
+                  <p:tgtEl>
+                    <p:sldTgt/>
+                  </p:tgtEl>
+                </p:cond>
+              </p:nextCondLst>
+            </p:seq>
+          </p:childTnLst>
+        </p:cTn>
+      </p:par>
+    </p:tnLst>
+    <p:bldLst>
+      <p:bldP spid="2" grpId="0"/>
+      <p:bldP spid="3" grpId="0" build="p"/>
+    </p:bldLst>
+  </p:timing>
+</p:sld>
+</file>
+
+<file path=ppt/slides/slide3.xml><?xml version="1.0" encoding="utf-8"?>
+<p:sld xmlns:a="http://schemas.openxmlformats.org/drawingml/2006/main" xmlns:r="http://schemas.openxmlformats.org/officeDocument/2006/relationships" xmlns:p="http://schemas.openxmlformats.org/presentationml/2006/main">
+  <p:cSld>
+    <p:bg>
+      <p:bgPr>
+        <a:solidFill>
+          <a:schemeClr val="bg2"/>
+        </a:solidFill>
+        <a:effectLst/>
+      </p:bgPr>
+    </p:bg>
+    <p:spTree>
+      <p:nvGrpSpPr>
+        <p:cNvPr id="1" name=""/>
+        <p:cNvGrpSpPr/>
+        <p:nvPr/>
+      </p:nvGrpSpPr>
+      <p:grpSpPr>
+        <a:xfrm>
+          <a:off x="0" y="0"/>
+          <a:ext cx="0" cy="0"/>
+          <a:chOff x="0" y="0"/>
+          <a:chExt cx="0" cy="0"/>
+        </a:xfrm>
+      </p:grpSpPr>
+      <p:sp useBgFill="1">
+        <p:nvSpPr>
+          <p:cNvPr id="225" name="Rectangle 221">
+            <a:extLst>
+              <a:ext uri="{FF2B5EF4-FFF2-40B4-BE49-F238E27FC236}">
+                <a16:creationId xmlns:a16="http://schemas.microsoft.com/office/drawing/2014/main" id="{956C5C09-0043-4549-B800-2101B70D667D}"/>
+              </a:ext>
+              <a:ext uri="{C183D7F6-B498-43B3-948B-1728B52AA6E4}">
+                <adec:decorative xmlns:adec="http://schemas.microsoft.com/office/drawing/2017/decorative" val="1"/>
+              </a:ext>
+            </a:extLst>
+          </p:cNvPr>
+          <p:cNvSpPr>
+            <a:spLocks noGrp="1" noRot="1" noChangeAspect="1" noMove="1" noResize="1" noEditPoints="1" noAdjustHandles="1" noChangeArrowheads="1" noChangeShapeType="1" noTextEdit="1"/>
+          </p:cNvSpPr>
+          <p:nvPr>
+            <p:extLst>
+              <p:ext uri="{386F3935-93C4-4BCD-93E2-E3B085C9AB24}">
+                <p16:designElem xmlns:p16="http://schemas.microsoft.com/office/powerpoint/2015/main" val="1"/>
+              </p:ext>
+            </p:extLst>
+          </p:nvPr>
+        </p:nvSpPr>
+        <p:spPr>
+          <a:xfrm>
+            <a:off x="0" y="0"/>
+            <a:ext cx="12188952" cy="6857995"/>
+          </a:xfrm>
+          <a:prstGeom prst="rect">
+            <a:avLst/>
+          </a:prstGeom>
+          <a:ln>
+            <a:noFill/>
+          </a:ln>
+        </p:spPr>
+        <p:style>
+          <a:lnRef idx="2">
+            <a:schemeClr val="accent1">
+              <a:shade val="50000"/>
+            </a:schemeClr>
+          </a:lnRef>
+          <a:fillRef idx="1">
+            <a:schemeClr val="accent1"/>
+          </a:fillRef>
+          <a:effectRef idx="0">
+            <a:schemeClr val="accent1"/>
+          </a:effectRef>
+          <a:fontRef idx="minor">
+            <a:schemeClr val="lt1"/>
+          </a:fontRef>
+        </p:style>
+        <p:txBody>
+          <a:bodyPr rtlCol="0" anchor="ctr"/>
+          <a:lstStyle/>
+          <a:p>
+            <a:pPr algn="ctr"/>
+            <a:endParaRPr lang="en-US" dirty="0"/>
+          </a:p>
+        </p:txBody>
+      </p:sp>
+      <p:sp>
+        <p:nvSpPr>
+          <p:cNvPr id="224" name="Rectangle 223">
+            <a:extLst>
+              <a:ext uri="{FF2B5EF4-FFF2-40B4-BE49-F238E27FC236}">
+                <a16:creationId xmlns:a16="http://schemas.microsoft.com/office/drawing/2014/main" id="{B7E2F724-2FB3-4D1D-A730-739B8654C030}"/>
+              </a:ext>
+              <a:ext uri="{C183D7F6-B498-43B3-948B-1728B52AA6E4}">
+                <adec:decorative xmlns:adec="http://schemas.microsoft.com/office/drawing/2017/decorative" val="1"/>
+              </a:ext>
+            </a:extLst>
+          </p:cNvPr>
+          <p:cNvSpPr>
+            <a:spLocks noGrp="1" noRot="1" noChangeAspect="1" noMove="1" noResize="1" noEditPoints="1" noAdjustHandles="1" noChangeArrowheads="1" noChangeShapeType="1" noTextEdit="1"/>
+          </p:cNvSpPr>
+          <p:nvPr>
+            <p:extLst>
+              <p:ext uri="{386F3935-93C4-4BCD-93E2-E3B085C9AB24}">
+                <p16:designElem xmlns:p16="http://schemas.microsoft.com/office/powerpoint/2015/main" val="1"/>
+              </p:ext>
+            </p:extLst>
+          </p:nvPr>
+        </p:nvSpPr>
+        <p:spPr>
+          <a:xfrm>
+            <a:off x="0" y="-2"/>
+            <a:ext cx="12192000" cy="6858001"/>
+          </a:xfrm>
+          <a:prstGeom prst="rect">
+            <a:avLst/>
+          </a:prstGeom>
+          <a:solidFill>
+            <a:srgbClr val="000000"/>
+          </a:solidFill>
+          <a:ln>
+            <a:noFill/>
+          </a:ln>
+        </p:spPr>
+        <p:style>
+          <a:lnRef idx="2">
+            <a:schemeClr val="accent1">
+              <a:shade val="50000"/>
+            </a:schemeClr>
+          </a:lnRef>
+          <a:fillRef idx="1">
+            <a:schemeClr val="accent1"/>
+          </a:fillRef>
+          <a:effectRef idx="0">
+            <a:schemeClr val="accent1"/>
+          </a:effectRef>
+          <a:fontRef idx="minor">
+            <a:schemeClr val="lt1"/>
+          </a:fontRef>
+        </p:style>
+        <p:txBody>
+          <a:bodyPr rtlCol="0" anchor="ctr"/>
+          <a:lstStyle/>
+          <a:p>
+            <a:pPr algn="ctr"/>
+            <a:endParaRPr lang="en-US" dirty="0"/>
+          </a:p>
+        </p:txBody>
+      </p:sp>
+      <p:pic>
+        <p:nvPicPr>
+          <p:cNvPr id="227" name="Picture 3">
+            <a:extLst>
+              <a:ext uri="{FF2B5EF4-FFF2-40B4-BE49-F238E27FC236}">
+                <a16:creationId xmlns:a16="http://schemas.microsoft.com/office/drawing/2014/main" id="{8BB61531-DE76-CB29-E269-1F7DFBFF9E31}"/>
+              </a:ext>
+            </a:extLst>
+          </p:cNvPr>
+          <p:cNvPicPr>
+            <a:picLocks noChangeAspect="1"/>
+          </p:cNvPicPr>
+          <p:nvPr/>
+        </p:nvPicPr>
+        <p:blipFill rotWithShape="1">
+          <a:blip r:embed="rId2">
+            <a:alphaModFix amt="40000"/>
+          </a:blip>
+          <a:srcRect t="8050" b="1589"/>
+          <a:stretch/>
+        </p:blipFill>
+        <p:spPr>
+          <a:xfrm>
+            <a:off x="-3049" y="-6"/>
+            <a:ext cx="12192001" cy="6858001"/>
+          </a:xfrm>
+          <a:prstGeom prst="rect">
+            <a:avLst/>
+          </a:prstGeom>
+        </p:spPr>
+      </p:pic>
+      <p:sp>
+        <p:nvSpPr>
+          <p:cNvPr id="2" name="Titre 1">
+            <a:extLst>
+              <a:ext uri="{FF2B5EF4-FFF2-40B4-BE49-F238E27FC236}">
+                <a16:creationId xmlns:a16="http://schemas.microsoft.com/office/drawing/2014/main" id="{1BC88DF3-63A5-3B43-8616-129FCB7B43DD}"/>
+              </a:ext>
+            </a:extLst>
+          </p:cNvPr>
+          <p:cNvSpPr>
+            <a:spLocks noGrp="1"/>
+          </p:cNvSpPr>
+          <p:nvPr>
+            <p:ph type="ctrTitle"/>
+          </p:nvPr>
+        </p:nvSpPr>
+        <p:spPr>
+          <a:xfrm>
+            <a:off x="631081" y="1971185"/>
+            <a:ext cx="11421581" cy="2334248"/>
+          </a:xfrm>
+        </p:spPr>
+        <p:txBody>
+          <a:bodyPr anchor="t">
+            <a:normAutofit/>
+          </a:bodyPr>
+          <a:lstStyle/>
+          <a:p>
+            <a:pPr>
+              <a:lnSpc>
+                <a:spcPct val="90000"/>
+              </a:lnSpc>
+            </a:pPr>
+            <a:endParaRPr lang="fr-FR" sz="5000" dirty="0">
+              <a:solidFill>
+                <a:srgbClr val="FFFFFF"/>
+              </a:solidFill>
+            </a:endParaRPr>
+          </a:p>
+        </p:txBody>
+      </p:sp>
+      <p:sp>
+        <p:nvSpPr>
+          <p:cNvPr id="3" name="Sous-titre 2">
+            <a:extLst>
+              <a:ext uri="{FF2B5EF4-FFF2-40B4-BE49-F238E27FC236}">
+                <a16:creationId xmlns:a16="http://schemas.microsoft.com/office/drawing/2014/main" id="{9DF7D3AB-199F-7C8C-F164-BEC85B6C2674}"/>
+              </a:ext>
+            </a:extLst>
+          </p:cNvPr>
+          <p:cNvSpPr>
+            <a:spLocks noGrp="1"/>
+          </p:cNvSpPr>
+          <p:nvPr>
+            <p:ph type="subTitle" idx="1"/>
+          </p:nvPr>
+        </p:nvSpPr>
+        <p:spPr>
+          <a:xfrm>
+            <a:off x="744293" y="5017577"/>
+            <a:ext cx="5040785" cy="1724029"/>
+          </a:xfrm>
+        </p:spPr>
+        <p:txBody>
+          <a:bodyPr anchor="t">
+            <a:normAutofit/>
+          </a:bodyPr>
+          <a:lstStyle/>
+          <a:p>
+            <a:endParaRPr lang="fr-FR" b="1" dirty="0">
+              <a:solidFill>
+                <a:srgbClr val="FFFFFF"/>
+              </a:solidFill>
+            </a:endParaRPr>
+          </a:p>
+        </p:txBody>
+      </p:sp>
+      <p:sp>
+        <p:nvSpPr>
+          <p:cNvPr id="226" name="Rectangle 225">
+            <a:extLst>
+              <a:ext uri="{FF2B5EF4-FFF2-40B4-BE49-F238E27FC236}">
+                <a16:creationId xmlns:a16="http://schemas.microsoft.com/office/drawing/2014/main" id="{B2C335F7-F61C-4EB4-80F2-4B1438FE66BB}"/>
+              </a:ext>
+              <a:ext uri="{C183D7F6-B498-43B3-948B-1728B52AA6E4}">
+                <adec:decorative xmlns:adec="http://schemas.microsoft.com/office/drawing/2017/decorative" val="1"/>
+              </a:ext>
+            </a:extLst>
+          </p:cNvPr>
+          <p:cNvSpPr>
+            <a:spLocks noGrp="1" noRot="1" noChangeAspect="1" noMove="1" noResize="1" noEditPoints="1" noAdjustHandles="1" noChangeArrowheads="1" noChangeShapeType="1" noTextEdit="1"/>
+          </p:cNvSpPr>
+          <p:nvPr>
+            <p:extLst>
+              <p:ext uri="{386F3935-93C4-4BCD-93E2-E3B085C9AB24}">
+                <p16:designElem xmlns:p16="http://schemas.microsoft.com/office/powerpoint/2015/main" val="1"/>
+              </p:ext>
+            </p:extLst>
+          </p:nvPr>
+        </p:nvSpPr>
+        <p:spPr>
+          <a:xfrm>
+            <a:off x="517870" y="508090"/>
+            <a:ext cx="5021183" cy="149279"/>
+          </a:xfrm>
+          <a:prstGeom prst="rect">
+            <a:avLst/>
+          </a:prstGeom>
+          <a:solidFill>
+            <a:srgbClr val="FFFFFF"/>
+          </a:solidFill>
+          <a:ln>
+            <a:noFill/>
+          </a:ln>
+        </p:spPr>
+        <p:style>
+          <a:lnRef idx="2">
+            <a:schemeClr val="accent1">
+              <a:shade val="50000"/>
+            </a:schemeClr>
+          </a:lnRef>
+          <a:fillRef idx="1">
+            <a:schemeClr val="accent1"/>
+          </a:fillRef>
+          <a:effectRef idx="0">
+            <a:schemeClr val="accent1"/>
+          </a:effectRef>
+          <a:fontRef idx="minor">
+            <a:schemeClr val="lt1"/>
+          </a:fontRef>
+        </p:style>
+        <p:txBody>
+          <a:bodyPr rtlCol="0" anchor="ctr"/>
+          <a:lstStyle/>
+          <a:p>
+            <a:pPr algn="ctr"/>
+            <a:endParaRPr lang="en-US"/>
+          </a:p>
+        </p:txBody>
+      </p:sp>
+      <p:pic>
+        <p:nvPicPr>
+          <p:cNvPr id="1026" name="Picture 2" descr="Augmentez vos revenus en conduisant ou trouvez une course dès maintenant |  Uber France">
+            <a:extLst>
+              <a:ext uri="{FF2B5EF4-FFF2-40B4-BE49-F238E27FC236}">
+                <a16:creationId xmlns:a16="http://schemas.microsoft.com/office/drawing/2014/main" id="{243BB661-F4CA-50B0-5A37-6155AD4FF00A}"/>
+              </a:ext>
+            </a:extLst>
+          </p:cNvPr>
+          <p:cNvPicPr>
+            <a:picLocks noChangeAspect="1" noChangeArrowheads="1"/>
+          </p:cNvPicPr>
+          <p:nvPr/>
+        </p:nvPicPr>
+        <p:blipFill>
+          <a:blip r:embed="rId3">
+            <a:extLst>
+              <a:ext uri="{28A0092B-C50C-407E-A947-70E740481C1C}">
+                <a14:useLocalDpi xmlns:a14="http://schemas.microsoft.com/office/drawing/2010/main" val="0"/>
+              </a:ext>
+            </a:extLst>
+          </a:blip>
+          <a:srcRect/>
+          <a:stretch>
+            <a:fillRect/>
+          </a:stretch>
+        </p:blipFill>
+        <p:spPr bwMode="auto">
+          <a:xfrm rot="20476609">
+            <a:off x="628033" y="1971181"/>
+            <a:ext cx="2105025" cy="2105025"/>
+          </a:xfrm>
+          <a:prstGeom prst="rect">
+            <a:avLst/>
+          </a:prstGeom>
+          <a:noFill/>
+          <a:extLst>
+            <a:ext uri="{909E8E84-426E-40DD-AFC4-6F175D3DCCD1}">
+              <a14:hiddenFill xmlns:a14="http://schemas.microsoft.com/office/drawing/2010/main">
+                <a:solidFill>
+                  <a:srgbClr val="FFFFFF"/>
+                </a:solidFill>
+              </a14:hiddenFill>
+            </a:ext>
+          </a:extLst>
+        </p:spPr>
+      </p:pic>
+      <p:pic>
+        <p:nvPicPr>
+          <p:cNvPr id="1028" name="Picture 4" descr="Page d'accueil - Centre d'aide Airbnb">
+            <a:extLst>
+              <a:ext uri="{FF2B5EF4-FFF2-40B4-BE49-F238E27FC236}">
+                <a16:creationId xmlns:a16="http://schemas.microsoft.com/office/drawing/2014/main" id="{4268E6A7-E29F-1B40-B56B-0E4A149B327C}"/>
+              </a:ext>
+            </a:extLst>
+          </p:cNvPr>
+          <p:cNvPicPr>
+            <a:picLocks noChangeAspect="1" noChangeArrowheads="1"/>
+          </p:cNvPicPr>
+          <p:nvPr/>
+        </p:nvPicPr>
+        <p:blipFill>
+          <a:blip r:embed="rId4">
+            <a:extLst>
+              <a:ext uri="{28A0092B-C50C-407E-A947-70E740481C1C}">
+                <a14:useLocalDpi xmlns:a14="http://schemas.microsoft.com/office/drawing/2010/main" val="0"/>
+              </a:ext>
+            </a:extLst>
+          </a:blip>
+          <a:srcRect/>
+          <a:stretch>
+            <a:fillRect/>
+          </a:stretch>
+        </p:blipFill>
+        <p:spPr bwMode="auto">
+          <a:xfrm rot="925743">
+            <a:off x="9507210" y="536075"/>
+            <a:ext cx="2143125" cy="2143125"/>
+          </a:xfrm>
+          <a:prstGeom prst="rect">
+            <a:avLst/>
+          </a:prstGeom>
+          <a:noFill/>
+          <a:extLst>
+            <a:ext uri="{909E8E84-426E-40DD-AFC4-6F175D3DCCD1}">
+              <a14:hiddenFill xmlns:a14="http://schemas.microsoft.com/office/drawing/2010/main">
+                <a:solidFill>
+                  <a:srgbClr val="FFFFFF"/>
+                </a:solidFill>
+              </a14:hiddenFill>
+            </a:ext>
+          </a:extLst>
+        </p:spPr>
+      </p:pic>
+      <p:pic>
+        <p:nvPicPr>
+          <p:cNvPr id="1030" name="Picture 6" descr="Tablette Childwood Evolu 2 Blanc | Achetez sur eBay">
+            <a:extLst>
+              <a:ext uri="{FF2B5EF4-FFF2-40B4-BE49-F238E27FC236}">
+                <a16:creationId xmlns:a16="http://schemas.microsoft.com/office/drawing/2014/main" id="{BDE6CDA6-F240-5FF2-3CC0-44222B3BFEC7}"/>
+              </a:ext>
+            </a:extLst>
+          </p:cNvPr>
+          <p:cNvPicPr>
+            <a:picLocks noChangeAspect="1" noChangeArrowheads="1"/>
+          </p:cNvPicPr>
+          <p:nvPr/>
+        </p:nvPicPr>
+        <p:blipFill>
+          <a:blip r:embed="rId5">
+            <a:extLst>
+              <a:ext uri="{28A0092B-C50C-407E-A947-70E740481C1C}">
+                <a14:useLocalDpi xmlns:a14="http://schemas.microsoft.com/office/drawing/2010/main" val="0"/>
+              </a:ext>
+            </a:extLst>
+          </a:blip>
+          <a:srcRect/>
+          <a:stretch>
+            <a:fillRect/>
+          </a:stretch>
+        </p:blipFill>
+        <p:spPr bwMode="auto">
+          <a:xfrm>
+            <a:off x="4211182" y="978092"/>
+            <a:ext cx="3390900" cy="1352550"/>
+          </a:xfrm>
+          <a:prstGeom prst="rect">
+            <a:avLst/>
+          </a:prstGeom>
+          <a:noFill/>
+          <a:extLst>
+            <a:ext uri="{909E8E84-426E-40DD-AFC4-6F175D3DCCD1}">
+              <a14:hiddenFill xmlns:a14="http://schemas.microsoft.com/office/drawing/2010/main">
+                <a:solidFill>
+                  <a:srgbClr val="FFFFFF"/>
+                </a:solidFill>
+              </a14:hiddenFill>
+            </a:ext>
+          </a:extLst>
+        </p:spPr>
+      </p:pic>
+      <p:pic>
+        <p:nvPicPr>
+          <p:cNvPr id="1034" name="Picture 10">
+            <a:extLst>
+              <a:ext uri="{FF2B5EF4-FFF2-40B4-BE49-F238E27FC236}">
+                <a16:creationId xmlns:a16="http://schemas.microsoft.com/office/drawing/2014/main" id="{9589BA1B-850E-F740-41BF-1097D96BB7C6}"/>
+              </a:ext>
+            </a:extLst>
+          </p:cNvPr>
+          <p:cNvPicPr>
+            <a:picLocks noChangeAspect="1" noChangeArrowheads="1"/>
+          </p:cNvPicPr>
+          <p:nvPr/>
+        </p:nvPicPr>
+        <p:blipFill>
+          <a:blip r:embed="rId6">
+            <a:extLst>
+              <a:ext uri="{28A0092B-C50C-407E-A947-70E740481C1C}">
+                <a14:useLocalDpi xmlns:a14="http://schemas.microsoft.com/office/drawing/2010/main" val="0"/>
+              </a:ext>
+            </a:extLst>
+          </a:blip>
+          <a:srcRect/>
+          <a:stretch>
+            <a:fillRect/>
+          </a:stretch>
+        </p:blipFill>
+        <p:spPr bwMode="auto">
+          <a:xfrm rot="20534274">
+            <a:off x="2787195" y="4754631"/>
+            <a:ext cx="2847975" cy="1600200"/>
+          </a:xfrm>
+          <a:prstGeom prst="rect">
+            <a:avLst/>
+          </a:prstGeom>
+          <a:noFill/>
+          <a:extLst>
+            <a:ext uri="{909E8E84-426E-40DD-AFC4-6F175D3DCCD1}">
+              <a14:hiddenFill xmlns:a14="http://schemas.microsoft.com/office/drawing/2010/main">
+                <a:solidFill>
+                  <a:srgbClr val="FFFFFF"/>
+                </a:solidFill>
+              </a14:hiddenFill>
+            </a:ext>
+          </a:extLst>
+        </p:spPr>
+      </p:pic>
+      <p:pic>
+        <p:nvPicPr>
+          <p:cNvPr id="1038" name="Picture 14" descr="Nescafé organise une pause-café géante sur Snapchat Map - Influenth">
+            <a:extLst>
+              <a:ext uri="{FF2B5EF4-FFF2-40B4-BE49-F238E27FC236}">
+                <a16:creationId xmlns:a16="http://schemas.microsoft.com/office/drawing/2014/main" id="{76179CEB-BC80-57F8-42F3-782D08DD1883}"/>
+              </a:ext>
+            </a:extLst>
+          </p:cNvPr>
+          <p:cNvPicPr>
+            <a:picLocks noChangeAspect="1" noChangeArrowheads="1"/>
+          </p:cNvPicPr>
+          <p:nvPr/>
+        </p:nvPicPr>
+        <p:blipFill>
+          <a:blip r:embed="rId7">
+            <a:extLst>
+              <a:ext uri="{28A0092B-C50C-407E-A947-70E740481C1C}">
+                <a14:useLocalDpi xmlns:a14="http://schemas.microsoft.com/office/drawing/2010/main" val="0"/>
+              </a:ext>
+            </a:extLst>
+          </a:blip>
+          <a:srcRect/>
+          <a:stretch>
+            <a:fillRect/>
+          </a:stretch>
+        </p:blipFill>
+        <p:spPr bwMode="auto">
+          <a:xfrm rot="546731">
+            <a:off x="7966671" y="2766892"/>
+            <a:ext cx="2066985" cy="3680699"/>
+          </a:xfrm>
+          <a:prstGeom prst="rect">
+            <a:avLst/>
+          </a:prstGeom>
+          <a:noFill/>
+          <a:extLst>
+            <a:ext uri="{909E8E84-426E-40DD-AFC4-6F175D3DCCD1}">
+              <a14:hiddenFill xmlns:a14="http://schemas.microsoft.com/office/drawing/2010/main">
+                <a:solidFill>
+                  <a:srgbClr val="FFFFFF"/>
+                </a:solidFill>
+              </a14:hiddenFill>
+            </a:ext>
+          </a:extLst>
+        </p:spPr>
+      </p:pic>
+    </p:spTree>
+    <p:extLst>
+      <p:ext uri="{BB962C8B-B14F-4D97-AF65-F5344CB8AC3E}">
+        <p14:creationId xmlns:p14="http://schemas.microsoft.com/office/powerpoint/2010/main" val="1046848058"/>
+      </p:ext>
+    </p:extLst>
+  </p:cSld>
+  <p:clrMapOvr>
+    <a:masterClrMapping/>
+  </p:clrMapOvr>
+  <mc:AlternateContent xmlns:mc="http://schemas.openxmlformats.org/markup-compatibility/2006">
+    <mc:Choice xmlns:p14="http://schemas.microsoft.com/office/powerpoint/2010/main" Requires="p14">
+      <p:transition spd="slow" p14:dur="3900">
+        <p14:glitter pattern="hexagon"/>
+      </p:transition>
+    </mc:Choice>
+    <mc:Fallback>
+      <p:transition spd="slow">
+        <p:fade/>
+      </p:transition>
+    </mc:Fallback>
+  </mc:AlternateContent>
+  <p:timing>
+    <p:tnLst>
+      <p:par>
+        <p:cTn id="1" dur="indefinite" restart="never" nodeType="tmRoot">
+          <p:childTnLst>
+            <p:seq concurrent="1" nextAc="seek">
+              <p:cTn id="2" dur="indefinite" nodeType="mainSeq">
+                <p:childTnLst>
+                  <p:par>
+                    <p:cTn id="3" fill="hold">
+                      <p:stCondLst>
+                        <p:cond delay="indefinite"/>
+                        <p:cond evt="onBegin" delay="0">
+                          <p:tn val="2"/>
+                        </p:cond>
+                      </p:stCondLst>
+                      <p:childTnLst>
+                        <p:par>
+                          <p:cTn id="4" fill="hold">
+                            <p:stCondLst>
+                              <p:cond delay="0"/>
+                            </p:stCondLst>
+                            <p:childTnLst>
+                              <p:par>
+                                <p:cTn id="5" presetID="10" presetClass="entr" presetSubtype="0" fill="hold" grpId="0" nodeType="withEffect" nodePh="1">
+                                  <p:stCondLst>
+                                    <p:cond delay="2000"/>
+                                  </p:stCondLst>
+                                  <p:endCondLst>
+                                    <p:cond evt="begin" delay="0">
+                                      <p:tn val="5"/>
+                                    </p:cond>
+                                  </p:endCondLst>
+                                  <p:iterate type="lt">
+                                    <p:tmPct val="10000"/>
+                                  </p:iterate>
+                                  <p:childTnLst>
+                                    <p:set>
+                                      <p:cBhvr>
+                                        <p:cTn id="6" dur="1" fill="hold">
+                                          <p:stCondLst>
+                                            <p:cond delay="0"/>
+                                          </p:stCondLst>
+                                        </p:cTn>
+                                        <p:tgtEl>
+                                          <p:spTgt spid="3">
+                                            <p:txEl>
+                                              <p:pRg st="0" end="0"/>
+                                            </p:txEl>
+                                          </p:spTgt>
+                                        </p:tgtEl>
+                                        <p:attrNameLst>
+                                          <p:attrName>style.visibility</p:attrName>
+                                        </p:attrNameLst>
+                                      </p:cBhvr>
+                                      <p:to>
+                                        <p:strVal val="visible"/>
+                                      </p:to>
+                                    </p:set>
+                                    <p:animEffect transition="in" filter="fade">
+                                      <p:cBhvr>
+                                        <p:cTn id="7" dur="400"/>
+                                        <p:tgtEl>
+                                          <p:spTgt spid="3">
+                                            <p:txEl>
+                                              <p:pRg st="0" end="0"/>
+                                            </p:txEl>
+                                          </p:spTgt>
+                                        </p:tgtEl>
+                                      </p:cBhvr>
+                                    </p:animEffect>
+                                  </p:childTnLst>
+                                </p:cTn>
+                              </p:par>
+                              <p:par>
+                                <p:cTn id="8" presetID="10" presetClass="entr" presetSubtype="0" fill="hold" grpId="0" nodeType="withEffect" nodePh="1">
+                                  <p:stCondLst>
+                                    <p:cond delay="1000"/>
+                                  </p:stCondLst>
+                                  <p:endCondLst>
+                                    <p:cond evt="begin" delay="0">
+                                      <p:tn val="8"/>
+                                    </p:cond>
+                                  </p:endCondLst>
+                                  <p:iterate type="lt">
+                                    <p:tmPct val="10000"/>
+                                  </p:iterate>
+                                  <p:childTnLst>
+                                    <p:set>
+                                      <p:cBhvr>
+                                        <p:cTn id="9" dur="1" fill="hold">
+                                          <p:stCondLst>
+                                            <p:cond delay="0"/>
+                                          </p:stCondLst>
+                                        </p:cTn>
+                                        <p:tgtEl>
+                                          <p:spTgt spid="2"/>
+                                        </p:tgtEl>
+                                        <p:attrNameLst>
+                                          <p:attrName>style.visibility</p:attrName>
+                                        </p:attrNameLst>
+                                      </p:cBhvr>
+                                      <p:to>
+                                        <p:strVal val="visible"/>
+                                      </p:to>
+                                    </p:set>
+                                    <p:animEffect transition="in" filter="fade">
+                                      <p:cBhvr>
+                                        <p:cTn id="10" dur="400"/>
+                                        <p:tgtEl>
+                                          <p:spTgt spid="2"/>
+                                        </p:tgtEl>
+                                      </p:cBhvr>
+                                    </p:animEffect>
+                                  </p:childTnLst>
+                                </p:cTn>
+                              </p:par>
+                            </p:childTnLst>
+                          </p:cTn>
+                        </p:par>
+                      </p:childTnLst>
+                    </p:cTn>
+                  </p:par>
+                </p:childTnLst>
+              </p:cTn>
+              <p:prevCondLst>
+                <p:cond evt="onPrev" delay="0">
+                  <p:tgtEl>
+                    <p:sldTgt/>
+                  </p:tgtEl>
+                </p:cond>
+              </p:prevCondLst>
+              <p:nextCondLst>
+                <p:cond evt="onNext" delay="0">
+                  <p:tgtEl>
+                    <p:sldTgt/>
+                  </p:tgtEl>
+                </p:cond>
+              </p:nextCondLst>
+            </p:seq>
+          </p:childTnLst>
+        </p:cTn>
+      </p:par>
+    </p:tnLst>
+    <p:bldLst>
+      <p:bldP spid="2" grpId="0"/>
+      <p:bldP spid="3" grpId="0" build="p"/>
+    </p:bldLst>
+  </p:timing>
+</p:sld>
+</file>
+
+<file path=ppt/slides/slide4.xml><?xml version="1.0" encoding="utf-8"?>
+<p:sld xmlns:a="http://schemas.openxmlformats.org/drawingml/2006/main" xmlns:r="http://schemas.openxmlformats.org/officeDocument/2006/relationships" xmlns:p="http://schemas.openxmlformats.org/presentationml/2006/main">
+  <p:cSld>
+    <p:bg>
+      <p:bgPr>
+        <a:solidFill>
+          <a:schemeClr val="bg2"/>
+        </a:solidFill>
+        <a:effectLst/>
+      </p:bgPr>
+    </p:bg>
+    <p:spTree>
+      <p:nvGrpSpPr>
+        <p:cNvPr id="1" name=""/>
+        <p:cNvGrpSpPr/>
+        <p:nvPr/>
+      </p:nvGrpSpPr>
+      <p:grpSpPr>
+        <a:xfrm>
+          <a:off x="0" y="0"/>
+          <a:ext cx="0" cy="0"/>
+          <a:chOff x="0" y="0"/>
+          <a:chExt cx="0" cy="0"/>
+        </a:xfrm>
+      </p:grpSpPr>
+      <p:sp useBgFill="1">
+        <p:nvSpPr>
+          <p:cNvPr id="225" name="Rectangle 221">
+            <a:extLst>
+              <a:ext uri="{FF2B5EF4-FFF2-40B4-BE49-F238E27FC236}">
+                <a16:creationId xmlns:a16="http://schemas.microsoft.com/office/drawing/2014/main" id="{956C5C09-0043-4549-B800-2101B70D667D}"/>
+              </a:ext>
+              <a:ext uri="{C183D7F6-B498-43B3-948B-1728B52AA6E4}">
+                <adec:decorative xmlns:adec="http://schemas.microsoft.com/office/drawing/2017/decorative" val="1"/>
+              </a:ext>
+            </a:extLst>
+          </p:cNvPr>
+          <p:cNvSpPr>
+            <a:spLocks noGrp="1" noRot="1" noChangeAspect="1" noMove="1" noResize="1" noEditPoints="1" noAdjustHandles="1" noChangeArrowheads="1" noChangeShapeType="1" noTextEdit="1"/>
+          </p:cNvSpPr>
+          <p:nvPr>
+            <p:extLst>
+              <p:ext uri="{386F3935-93C4-4BCD-93E2-E3B085C9AB24}">
+                <p16:designElem xmlns:p16="http://schemas.microsoft.com/office/powerpoint/2015/main" val="1"/>
+              </p:ext>
+            </p:extLst>
+          </p:nvPr>
+        </p:nvSpPr>
+        <p:spPr>
+          <a:xfrm>
+            <a:off x="0" y="0"/>
+            <a:ext cx="12188952" cy="6857995"/>
+          </a:xfrm>
+          <a:prstGeom prst="rect">
+            <a:avLst/>
+          </a:prstGeom>
+          <a:ln>
+            <a:noFill/>
+          </a:ln>
+        </p:spPr>
+        <p:style>
+          <a:lnRef idx="2">
+            <a:schemeClr val="accent1">
+              <a:shade val="50000"/>
+            </a:schemeClr>
+          </a:lnRef>
+          <a:fillRef idx="1">
+            <a:schemeClr val="accent1"/>
+          </a:fillRef>
+          <a:effectRef idx="0">
+            <a:schemeClr val="accent1"/>
+          </a:effectRef>
+          <a:fontRef idx="minor">
+            <a:schemeClr val="lt1"/>
+          </a:fontRef>
+        </p:style>
+        <p:txBody>
+          <a:bodyPr rtlCol="0" anchor="ctr"/>
+          <a:lstStyle/>
+          <a:p>
+            <a:pPr algn="ctr"/>
+            <a:endParaRPr lang="en-US" dirty="0"/>
+          </a:p>
+        </p:txBody>
+      </p:sp>
+      <p:sp>
+        <p:nvSpPr>
+          <p:cNvPr id="224" name="Rectangle 223">
+            <a:extLst>
+              <a:ext uri="{FF2B5EF4-FFF2-40B4-BE49-F238E27FC236}">
+                <a16:creationId xmlns:a16="http://schemas.microsoft.com/office/drawing/2014/main" id="{B7E2F724-2FB3-4D1D-A730-739B8654C030}"/>
+              </a:ext>
+              <a:ext uri="{C183D7F6-B498-43B3-948B-1728B52AA6E4}">
+                <adec:decorative xmlns:adec="http://schemas.microsoft.com/office/drawing/2017/decorative" val="1"/>
+              </a:ext>
+            </a:extLst>
+          </p:cNvPr>
+          <p:cNvSpPr>
+            <a:spLocks noGrp="1" noRot="1" noChangeAspect="1" noMove="1" noResize="1" noEditPoints="1" noAdjustHandles="1" noChangeArrowheads="1" noChangeShapeType="1" noTextEdit="1"/>
+          </p:cNvSpPr>
+          <p:nvPr>
+            <p:extLst>
+              <p:ext uri="{386F3935-93C4-4BCD-93E2-E3B085C9AB24}">
+                <p16:designElem xmlns:p16="http://schemas.microsoft.com/office/powerpoint/2015/main" val="1"/>
+              </p:ext>
+            </p:extLst>
+          </p:nvPr>
+        </p:nvSpPr>
+        <p:spPr>
+          <a:xfrm>
+            <a:off x="0" y="-2"/>
+            <a:ext cx="12192000" cy="6858001"/>
+          </a:xfrm>
+          <a:prstGeom prst="rect">
+            <a:avLst/>
+          </a:prstGeom>
+          <a:solidFill>
+            <a:srgbClr val="000000"/>
+          </a:solidFill>
+          <a:ln>
+            <a:noFill/>
+          </a:ln>
+        </p:spPr>
+        <p:style>
+          <a:lnRef idx="2">
+            <a:schemeClr val="accent1">
+              <a:shade val="50000"/>
+            </a:schemeClr>
+          </a:lnRef>
+          <a:fillRef idx="1">
+            <a:schemeClr val="accent1"/>
+          </a:fillRef>
+          <a:effectRef idx="0">
+            <a:schemeClr val="accent1"/>
+          </a:effectRef>
+          <a:fontRef idx="minor">
+            <a:schemeClr val="lt1"/>
+          </a:fontRef>
+        </p:style>
+        <p:txBody>
+          <a:bodyPr rtlCol="0" anchor="ctr"/>
+          <a:lstStyle/>
+          <a:p>
+            <a:pPr algn="ctr"/>
+            <a:endParaRPr lang="en-US" dirty="0"/>
+          </a:p>
+        </p:txBody>
+      </p:sp>
+      <p:pic>
+        <p:nvPicPr>
+          <p:cNvPr id="227" name="Picture 3">
+            <a:extLst>
+              <a:ext uri="{FF2B5EF4-FFF2-40B4-BE49-F238E27FC236}">
+                <a16:creationId xmlns:a16="http://schemas.microsoft.com/office/drawing/2014/main" id="{8BB61531-DE76-CB29-E269-1F7DFBFF9E31}"/>
+              </a:ext>
+            </a:extLst>
+          </p:cNvPr>
+          <p:cNvPicPr>
+            <a:picLocks noChangeAspect="1"/>
+          </p:cNvPicPr>
+          <p:nvPr/>
+        </p:nvPicPr>
+        <p:blipFill rotWithShape="1">
+          <a:blip r:embed="rId2">
+            <a:alphaModFix amt="40000"/>
+          </a:blip>
+          <a:srcRect t="8050" b="1589"/>
+          <a:stretch/>
+        </p:blipFill>
+        <p:spPr>
+          <a:xfrm>
+            <a:off x="-3049" y="-6"/>
+            <a:ext cx="12192001" cy="6858001"/>
+          </a:xfrm>
+          <a:prstGeom prst="rect">
+            <a:avLst/>
+          </a:prstGeom>
+        </p:spPr>
+      </p:pic>
+      <p:sp>
+        <p:nvSpPr>
+          <p:cNvPr id="2" name="Titre 1">
+            <a:extLst>
+              <a:ext uri="{FF2B5EF4-FFF2-40B4-BE49-F238E27FC236}">
+                <a16:creationId xmlns:a16="http://schemas.microsoft.com/office/drawing/2014/main" id="{1BC88DF3-63A5-3B43-8616-129FCB7B43DD}"/>
+              </a:ext>
+            </a:extLst>
+          </p:cNvPr>
+          <p:cNvSpPr>
+            <a:spLocks noGrp="1"/>
+          </p:cNvSpPr>
+          <p:nvPr>
+            <p:ph type="ctrTitle"/>
+          </p:nvPr>
+        </p:nvSpPr>
+        <p:spPr>
+          <a:xfrm>
+            <a:off x="631081" y="1971185"/>
+            <a:ext cx="11421581" cy="2334248"/>
+          </a:xfrm>
+        </p:spPr>
+        <p:txBody>
+          <a:bodyPr anchor="t">
+            <a:normAutofit/>
+          </a:bodyPr>
+          <a:lstStyle/>
+          <a:p>
+            <a:pPr>
+              <a:lnSpc>
+                <a:spcPct val="90000"/>
+              </a:lnSpc>
+            </a:pPr>
+            <a:endParaRPr lang="fr-FR" sz="5000" dirty="0">
+              <a:solidFill>
+                <a:srgbClr val="FFFFFF"/>
+              </a:solidFill>
+            </a:endParaRPr>
+          </a:p>
+        </p:txBody>
+      </p:sp>
+      <p:sp>
+        <p:nvSpPr>
+          <p:cNvPr id="3" name="Sous-titre 2">
+            <a:extLst>
+              <a:ext uri="{FF2B5EF4-FFF2-40B4-BE49-F238E27FC236}">
+                <a16:creationId xmlns:a16="http://schemas.microsoft.com/office/drawing/2014/main" id="{9DF7D3AB-199F-7C8C-F164-BEC85B6C2674}"/>
+              </a:ext>
+            </a:extLst>
+          </p:cNvPr>
+          <p:cNvSpPr>
+            <a:spLocks noGrp="1"/>
+          </p:cNvSpPr>
+          <p:nvPr>
+            <p:ph type="subTitle" idx="1"/>
+          </p:nvPr>
+        </p:nvSpPr>
+        <p:spPr>
+          <a:xfrm>
+            <a:off x="744293" y="5017577"/>
+            <a:ext cx="5040785" cy="1724029"/>
+          </a:xfrm>
+        </p:spPr>
+        <p:txBody>
+          <a:bodyPr anchor="t">
+            <a:normAutofit/>
+          </a:bodyPr>
+          <a:lstStyle/>
+          <a:p>
+            <a:endParaRPr lang="fr-FR" b="1" dirty="0">
+              <a:solidFill>
+                <a:srgbClr val="FFFFFF"/>
+              </a:solidFill>
+            </a:endParaRPr>
+          </a:p>
+        </p:txBody>
+      </p:sp>
+      <p:sp>
+        <p:nvSpPr>
+          <p:cNvPr id="226" name="Rectangle 225">
+            <a:extLst>
+              <a:ext uri="{FF2B5EF4-FFF2-40B4-BE49-F238E27FC236}">
+                <a16:creationId xmlns:a16="http://schemas.microsoft.com/office/drawing/2014/main" id="{B2C335F7-F61C-4EB4-80F2-4B1438FE66BB}"/>
+              </a:ext>
+              <a:ext uri="{C183D7F6-B498-43B3-948B-1728B52AA6E4}">
+                <adec:decorative xmlns:adec="http://schemas.microsoft.com/office/drawing/2017/decorative" val="1"/>
+              </a:ext>
+            </a:extLst>
+          </p:cNvPr>
+          <p:cNvSpPr>
+            <a:spLocks noGrp="1" noRot="1" noChangeAspect="1" noMove="1" noResize="1" noEditPoints="1" noAdjustHandles="1" noChangeArrowheads="1" noChangeShapeType="1" noTextEdit="1"/>
+          </p:cNvSpPr>
+          <p:nvPr>
+            <p:extLst>
+              <p:ext uri="{386F3935-93C4-4BCD-93E2-E3B085C9AB24}">
+                <p16:designElem xmlns:p16="http://schemas.microsoft.com/office/powerpoint/2015/main" val="1"/>
+              </p:ext>
+            </p:extLst>
+          </p:nvPr>
+        </p:nvSpPr>
+        <p:spPr>
+          <a:xfrm>
+            <a:off x="517870" y="508090"/>
+            <a:ext cx="5021183" cy="149279"/>
+          </a:xfrm>
+          <a:prstGeom prst="rect">
+            <a:avLst/>
+          </a:prstGeom>
+          <a:solidFill>
+            <a:srgbClr val="FFFFFF"/>
+          </a:solidFill>
+          <a:ln>
+            <a:noFill/>
+          </a:ln>
+        </p:spPr>
+        <p:style>
+          <a:lnRef idx="2">
+            <a:schemeClr val="accent1">
+              <a:shade val="50000"/>
+            </a:schemeClr>
+          </a:lnRef>
+          <a:fillRef idx="1">
+            <a:schemeClr val="accent1"/>
+          </a:fillRef>
+          <a:effectRef idx="0">
+            <a:schemeClr val="accent1"/>
+          </a:effectRef>
+          <a:fontRef idx="minor">
+            <a:schemeClr val="lt1"/>
+          </a:fontRef>
+        </p:style>
+        <p:txBody>
+          <a:bodyPr rtlCol="0" anchor="ctr"/>
+          <a:lstStyle/>
+          <a:p>
+            <a:pPr algn="ctr"/>
+            <a:endParaRPr lang="en-US"/>
+          </a:p>
+        </p:txBody>
+      </p:sp>
+      <p:pic>
+        <p:nvPicPr>
+          <p:cNvPr id="2050" name="Picture 2" descr="Data-brokers et marché de la vente de données | Chaire Valeurs et  Politiques des Informations Personnelles">
+            <a:extLst>
+              <a:ext uri="{FF2B5EF4-FFF2-40B4-BE49-F238E27FC236}">
+                <a16:creationId xmlns:a16="http://schemas.microsoft.com/office/drawing/2014/main" id="{5F31F12B-A8E4-25F2-0F69-EBEAD2FB6851}"/>
+              </a:ext>
+            </a:extLst>
+          </p:cNvPr>
+          <p:cNvPicPr>
+            <a:picLocks noChangeAspect="1" noChangeArrowheads="1"/>
+          </p:cNvPicPr>
+          <p:nvPr/>
+        </p:nvPicPr>
+        <p:blipFill>
+          <a:blip r:embed="rId3">
+            <a:extLst>
+              <a:ext uri="{28A0092B-C50C-407E-A947-70E740481C1C}">
+                <a14:useLocalDpi xmlns:a14="http://schemas.microsoft.com/office/drawing/2010/main" val="0"/>
+              </a:ext>
+            </a:extLst>
+          </a:blip>
+          <a:srcRect/>
+          <a:stretch>
+            <a:fillRect/>
+          </a:stretch>
+        </p:blipFill>
+        <p:spPr bwMode="auto">
+          <a:xfrm rot="21013107">
+            <a:off x="1042749" y="608804"/>
+            <a:ext cx="4286250" cy="2857500"/>
+          </a:xfrm>
+          <a:prstGeom prst="rect">
+            <a:avLst/>
+          </a:prstGeom>
+          <a:noFill/>
+          <a:extLst>
+            <a:ext uri="{909E8E84-426E-40DD-AFC4-6F175D3DCCD1}">
+              <a14:hiddenFill xmlns:a14="http://schemas.microsoft.com/office/drawing/2010/main">
+                <a:solidFill>
+                  <a:srgbClr val="FFFFFF"/>
+                </a:solidFill>
+              </a14:hiddenFill>
+            </a:ext>
+          </a:extLst>
+        </p:spPr>
+      </p:pic>
+      <p:pic>
+        <p:nvPicPr>
+          <p:cNvPr id="2054" name="Picture 6" descr="Top 30 des outils Big Data pour l'analyse des données - ARC Optimizer">
+            <a:extLst>
+              <a:ext uri="{FF2B5EF4-FFF2-40B4-BE49-F238E27FC236}">
+                <a16:creationId xmlns:a16="http://schemas.microsoft.com/office/drawing/2014/main" id="{511DCF9E-182D-4783-47DA-958C9F575E13}"/>
+              </a:ext>
+            </a:extLst>
+          </p:cNvPr>
+          <p:cNvPicPr>
+            <a:picLocks noChangeAspect="1" noChangeArrowheads="1"/>
+          </p:cNvPicPr>
+          <p:nvPr/>
+        </p:nvPicPr>
+        <p:blipFill>
+          <a:blip r:embed="rId4">
+            <a:extLst>
+              <a:ext uri="{28A0092B-C50C-407E-A947-70E740481C1C}">
+                <a14:useLocalDpi xmlns:a14="http://schemas.microsoft.com/office/drawing/2010/main" val="0"/>
+              </a:ext>
+            </a:extLst>
+          </a:blip>
+          <a:srcRect/>
+          <a:stretch>
+            <a:fillRect/>
+          </a:stretch>
+        </p:blipFill>
+        <p:spPr bwMode="auto">
+          <a:xfrm rot="718843">
+            <a:off x="6873596" y="721279"/>
+            <a:ext cx="4678157" cy="2631463"/>
+          </a:xfrm>
+          <a:prstGeom prst="rect">
+            <a:avLst/>
+          </a:prstGeom>
+          <a:noFill/>
+          <a:extLst>
+            <a:ext uri="{909E8E84-426E-40DD-AFC4-6F175D3DCCD1}">
+              <a14:hiddenFill xmlns:a14="http://schemas.microsoft.com/office/drawing/2010/main">
+                <a:solidFill>
+                  <a:srgbClr val="FFFFFF"/>
+                </a:solidFill>
+              </a14:hiddenFill>
+            </a:ext>
+          </a:extLst>
+        </p:spPr>
+      </p:pic>
+      <p:pic>
+        <p:nvPicPr>
+          <p:cNvPr id="2056" name="Picture 8" descr="EDI : Echange de Données Informatisé | Entreprise sans fautes">
+            <a:extLst>
+              <a:ext uri="{FF2B5EF4-FFF2-40B4-BE49-F238E27FC236}">
+                <a16:creationId xmlns:a16="http://schemas.microsoft.com/office/drawing/2014/main" id="{BCEB9047-2284-FBDA-D82C-4FB83046C2AF}"/>
+              </a:ext>
+            </a:extLst>
+          </p:cNvPr>
+          <p:cNvPicPr>
+            <a:picLocks noChangeAspect="1" noChangeArrowheads="1"/>
+          </p:cNvPicPr>
+          <p:nvPr/>
+        </p:nvPicPr>
+        <p:blipFill>
+          <a:blip r:embed="rId5">
+            <a:extLst>
+              <a:ext uri="{28A0092B-C50C-407E-A947-70E740481C1C}">
+                <a14:useLocalDpi xmlns:a14="http://schemas.microsoft.com/office/drawing/2010/main" val="0"/>
+              </a:ext>
+            </a:extLst>
+          </a:blip>
+          <a:srcRect/>
+          <a:stretch>
+            <a:fillRect/>
+          </a:stretch>
+        </p:blipFill>
+        <p:spPr bwMode="auto">
+          <a:xfrm>
+            <a:off x="3607336" y="3620488"/>
+            <a:ext cx="5528823" cy="3062968"/>
+          </a:xfrm>
+          <a:prstGeom prst="rect">
+            <a:avLst/>
+          </a:prstGeom>
+          <a:noFill/>
+          <a:extLst>
+            <a:ext uri="{909E8E84-426E-40DD-AFC4-6F175D3DCCD1}">
+              <a14:hiddenFill xmlns:a14="http://schemas.microsoft.com/office/drawing/2010/main">
+                <a:solidFill>
+                  <a:srgbClr val="FFFFFF"/>
+                </a:solidFill>
+              </a14:hiddenFill>
+            </a:ext>
+          </a:extLst>
+        </p:spPr>
+      </p:pic>
+    </p:spTree>
+    <p:extLst>
+      <p:ext uri="{BB962C8B-B14F-4D97-AF65-F5344CB8AC3E}">
+        <p14:creationId xmlns:p14="http://schemas.microsoft.com/office/powerpoint/2010/main" val="2532636861"/>
+      </p:ext>
+    </p:extLst>
+  </p:cSld>
+  <p:clrMapOvr>
+    <a:masterClrMapping/>
+  </p:clrMapOvr>
+  <mc:AlternateContent xmlns:mc="http://schemas.openxmlformats.org/markup-compatibility/2006">
+    <mc:Choice xmlns:p14="http://schemas.microsoft.com/office/powerpoint/2010/main" Requires="p14">
+      <p:transition spd="slow" p14:dur="3900">
+        <p14:glitter pattern="hexagon"/>
+      </p:transition>
+    </mc:Choice>
+    <mc:Fallback>
+      <p:transition spd="slow">
+        <p:fade/>
+      </p:transition>
+    </mc:Fallback>
+  </mc:AlternateContent>
+  <p:timing>
+    <p:tnLst>
+      <p:par>
+        <p:cTn id="1" dur="indefinite" restart="never" nodeType="tmRoot">
+          <p:childTnLst>
+            <p:seq concurrent="1" nextAc="seek">
+              <p:cTn id="2" dur="indefinite" nodeType="mainSeq">
+                <p:childTnLst>
+                  <p:par>
+                    <p:cTn id="3" fill="hold">
+                      <p:stCondLst>
+                        <p:cond delay="indefinite"/>
+                        <p:cond evt="onBegin" delay="0">
+                          <p:tn val="2"/>
+                        </p:cond>
+                      </p:stCondLst>
+                      <p:childTnLst>
+                        <p:par>
+                          <p:cTn id="4" fill="hold">
+                            <p:stCondLst>
+                              <p:cond delay="0"/>
+                            </p:stCondLst>
+                            <p:childTnLst>
+                              <p:par>
+                                <p:cTn id="5" presetID="10" presetClass="entr" presetSubtype="0" fill="hold" grpId="0" nodeType="withEffect" nodePh="1">
+                                  <p:stCondLst>
+                                    <p:cond delay="2000"/>
+                                  </p:stCondLst>
+                                  <p:endCondLst>
+                                    <p:cond evt="begin" delay="0">
+                                      <p:tn val="5"/>
+                                    </p:cond>
+                                  </p:endCondLst>
+                                  <p:iterate type="lt">
+                                    <p:tmPct val="10000"/>
+                                  </p:iterate>
+                                  <p:childTnLst>
+                                    <p:set>
+                                      <p:cBhvr>
+                                        <p:cTn id="6" dur="1" fill="hold">
+                                          <p:stCondLst>
+                                            <p:cond delay="0"/>
+                                          </p:stCondLst>
+                                        </p:cTn>
+                                        <p:tgtEl>
+                                          <p:spTgt spid="3">
+                                            <p:txEl>
+                                              <p:pRg st="0" end="0"/>
+                                            </p:txEl>
+                                          </p:spTgt>
+                                        </p:tgtEl>
+                                        <p:attrNameLst>
+                                          <p:attrName>style.visibility</p:attrName>
+                                        </p:attrNameLst>
+                                      </p:cBhvr>
+                                      <p:to>
+                                        <p:strVal val="visible"/>
+                                      </p:to>
+                                    </p:set>
+                                    <p:animEffect transition="in" filter="fade">
+                                      <p:cBhvr>
+                                        <p:cTn id="7" dur="400"/>
+                                        <p:tgtEl>
+                                          <p:spTgt spid="3">
+                                            <p:txEl>
+                                              <p:pRg st="0" end="0"/>
+                                            </p:txEl>
+                                          </p:spTgt>
+                                        </p:tgtEl>
+                                      </p:cBhvr>
+                                    </p:animEffect>
+                                  </p:childTnLst>
+                                </p:cTn>
+                              </p:par>
+                              <p:par>
+                                <p:cTn id="8" presetID="10" presetClass="entr" presetSubtype="0" fill="hold" grpId="0" nodeType="withEffect" nodePh="1">
+                                  <p:stCondLst>
+                                    <p:cond delay="1000"/>
+                                  </p:stCondLst>
+                                  <p:endCondLst>
+                                    <p:cond evt="begin" delay="0">
+                                      <p:tn val="8"/>
+                                    </p:cond>
+                                  </p:endCondLst>
+                                  <p:iterate type="lt">
+                                    <p:tmPct val="10000"/>
+                                  </p:iterate>
+                                  <p:childTnLst>
+                                    <p:set>
+                                      <p:cBhvr>
+                                        <p:cTn id="9" dur="1" fill="hold">
+                                          <p:stCondLst>
+                                            <p:cond delay="0"/>
+                                          </p:stCondLst>
+                                        </p:cTn>
+                                        <p:tgtEl>
+                                          <p:spTgt spid="2"/>
+                                        </p:tgtEl>
+                                        <p:attrNameLst>
+                                          <p:attrName>style.visibility</p:attrName>
+                                        </p:attrNameLst>
+                                      </p:cBhvr>
+                                      <p:to>
+                                        <p:strVal val="visible"/>
+                                      </p:to>
+                                    </p:set>
+                                    <p:animEffect transition="in" filter="fade">
+                                      <p:cBhvr>
+                                        <p:cTn id="10" dur="400"/>
+                                        <p:tgtEl>
+                                          <p:spTgt spid="2"/>
+                                        </p:tgtEl>
+                                      </p:cBhvr>
+                                    </p:animEffect>
+                                  </p:childTnLst>
+                                </p:cTn>
+                              </p:par>
+                            </p:childTnLst>
+                          </p:cTn>
+                        </p:par>
+                      </p:childTnLst>
+                    </p:cTn>
+                  </p:par>
+                </p:childTnLst>
+              </p:cTn>
+              <p:prevCondLst>
+                <p:cond evt="onPrev" delay="0">
+                  <p:tgtEl>
+                    <p:sldTgt/>
+                  </p:tgtEl>
+                </p:cond>
+              </p:prevCondLst>
+              <p:nextCondLst>
+                <p:cond evt="onNext" delay="0">
+                  <p:tgtEl>
+                    <p:sldTgt/>
+                  </p:tgtEl>
+                </p:cond>
+              </p:nextCondLst>
+            </p:seq>
+          </p:childTnLst>
+        </p:cTn>
+      </p:par>
+    </p:tnLst>
+    <p:bldLst>
+      <p:bldP spid="2" grpId="0"/>
+      <p:bldP spid="3" grpId="0" build="p"/>
+    </p:bldLst>
+  </p:timing>
+</p:sld>
+</file>
+
+<file path=ppt/slides/slide5.xml><?xml version="1.0" encoding="utf-8"?>
+<p:sld xmlns:a="http://schemas.openxmlformats.org/drawingml/2006/main" xmlns:r="http://schemas.openxmlformats.org/officeDocument/2006/relationships" xmlns:p="http://schemas.openxmlformats.org/presentationml/2006/main">
+  <p:cSld>
+    <p:bg>
+      <p:bgPr>
+        <a:solidFill>
+          <a:schemeClr val="bg2"/>
+        </a:solidFill>
+        <a:effectLst/>
+      </p:bgPr>
+    </p:bg>
+    <p:spTree>
+      <p:nvGrpSpPr>
+        <p:cNvPr id="1" name=""/>
+        <p:cNvGrpSpPr/>
+        <p:nvPr/>
+      </p:nvGrpSpPr>
+      <p:grpSpPr>
+        <a:xfrm>
+          <a:off x="0" y="0"/>
+          <a:ext cx="0" cy="0"/>
+          <a:chOff x="0" y="0"/>
+          <a:chExt cx="0" cy="0"/>
+        </a:xfrm>
+      </p:grpSpPr>
+      <p:sp useBgFill="1">
+        <p:nvSpPr>
+          <p:cNvPr id="225" name="Rectangle 221">
+            <a:extLst>
+              <a:ext uri="{FF2B5EF4-FFF2-40B4-BE49-F238E27FC236}">
+                <a16:creationId xmlns:a16="http://schemas.microsoft.com/office/drawing/2014/main" id="{956C5C09-0043-4549-B800-2101B70D667D}"/>
+              </a:ext>
+              <a:ext uri="{C183D7F6-B498-43B3-948B-1728B52AA6E4}">
+                <adec:decorative xmlns:adec="http://schemas.microsoft.com/office/drawing/2017/decorative" val="1"/>
+              </a:ext>
+            </a:extLst>
+          </p:cNvPr>
+          <p:cNvSpPr>
+            <a:spLocks noGrp="1" noRot="1" noChangeAspect="1" noMove="1" noResize="1" noEditPoints="1" noAdjustHandles="1" noChangeArrowheads="1" noChangeShapeType="1" noTextEdit="1"/>
+          </p:cNvSpPr>
+          <p:nvPr>
+            <p:extLst>
+              <p:ext uri="{386F3935-93C4-4BCD-93E2-E3B085C9AB24}">
+                <p16:designElem xmlns:p16="http://schemas.microsoft.com/office/powerpoint/2015/main" val="1"/>
+              </p:ext>
+            </p:extLst>
+          </p:nvPr>
+        </p:nvSpPr>
+        <p:spPr>
+          <a:xfrm>
+            <a:off x="0" y="0"/>
+            <a:ext cx="12188952" cy="6857995"/>
+          </a:xfrm>
+          <a:prstGeom prst="rect">
+            <a:avLst/>
+          </a:prstGeom>
+          <a:ln>
+            <a:noFill/>
+          </a:ln>
+        </p:spPr>
+        <p:style>
+          <a:lnRef idx="2">
+            <a:schemeClr val="accent1">
+              <a:shade val="50000"/>
+            </a:schemeClr>
+          </a:lnRef>
+          <a:fillRef idx="1">
+            <a:schemeClr val="accent1"/>
+          </a:fillRef>
+          <a:effectRef idx="0">
+            <a:schemeClr val="accent1"/>
+          </a:effectRef>
+          <a:fontRef idx="minor">
+            <a:schemeClr val="lt1"/>
+          </a:fontRef>
+        </p:style>
+        <p:txBody>
+          <a:bodyPr rtlCol="0" anchor="ctr"/>
+          <a:lstStyle/>
+          <a:p>
+            <a:pPr algn="ctr"/>
+            <a:endParaRPr lang="en-US" dirty="0"/>
+          </a:p>
+        </p:txBody>
+      </p:sp>
+      <p:sp>
+        <p:nvSpPr>
+          <p:cNvPr id="224" name="Rectangle 223">
+            <a:extLst>
+              <a:ext uri="{FF2B5EF4-FFF2-40B4-BE49-F238E27FC236}">
+                <a16:creationId xmlns:a16="http://schemas.microsoft.com/office/drawing/2014/main" id="{B7E2F724-2FB3-4D1D-A730-739B8654C030}"/>
+              </a:ext>
+              <a:ext uri="{C183D7F6-B498-43B3-948B-1728B52AA6E4}">
+                <adec:decorative xmlns:adec="http://schemas.microsoft.com/office/drawing/2017/decorative" val="1"/>
+              </a:ext>
+            </a:extLst>
+          </p:cNvPr>
+          <p:cNvSpPr>
+            <a:spLocks noGrp="1" noRot="1" noChangeAspect="1" noMove="1" noResize="1" noEditPoints="1" noAdjustHandles="1" noChangeArrowheads="1" noChangeShapeType="1" noTextEdit="1"/>
+          </p:cNvSpPr>
+          <p:nvPr>
+            <p:extLst>
+              <p:ext uri="{386F3935-93C4-4BCD-93E2-E3B085C9AB24}">
+                <p16:designElem xmlns:p16="http://schemas.microsoft.com/office/powerpoint/2015/main" val="1"/>
+              </p:ext>
+            </p:extLst>
+          </p:nvPr>
+        </p:nvSpPr>
+        <p:spPr>
+          <a:xfrm>
+            <a:off x="0" y="-2"/>
+            <a:ext cx="12192000" cy="6858001"/>
+          </a:xfrm>
+          <a:prstGeom prst="rect">
+            <a:avLst/>
+          </a:prstGeom>
+          <a:solidFill>
+            <a:srgbClr val="000000"/>
+          </a:solidFill>
+          <a:ln>
+            <a:noFill/>
+          </a:ln>
+        </p:spPr>
+        <p:style>
+          <a:lnRef idx="2">
+            <a:schemeClr val="accent1">
+              <a:shade val="50000"/>
+            </a:schemeClr>
+          </a:lnRef>
+          <a:fillRef idx="1">
+            <a:schemeClr val="accent1"/>
+          </a:fillRef>
+          <a:effectRef idx="0">
+            <a:schemeClr val="accent1"/>
+          </a:effectRef>
+          <a:fontRef idx="minor">
+            <a:schemeClr val="lt1"/>
+          </a:fontRef>
+        </p:style>
+        <p:txBody>
+          <a:bodyPr rtlCol="0" anchor="ctr"/>
+          <a:lstStyle/>
+          <a:p>
+            <a:pPr algn="ctr"/>
+            <a:endParaRPr lang="en-US" dirty="0"/>
+          </a:p>
+        </p:txBody>
+      </p:sp>
+      <p:pic>
+        <p:nvPicPr>
+          <p:cNvPr id="227" name="Picture 3">
+            <a:extLst>
+              <a:ext uri="{FF2B5EF4-FFF2-40B4-BE49-F238E27FC236}">
+                <a16:creationId xmlns:a16="http://schemas.microsoft.com/office/drawing/2014/main" id="{8BB61531-DE76-CB29-E269-1F7DFBFF9E31}"/>
+              </a:ext>
+            </a:extLst>
+          </p:cNvPr>
+          <p:cNvPicPr>
+            <a:picLocks noChangeAspect="1"/>
+          </p:cNvPicPr>
+          <p:nvPr/>
+        </p:nvPicPr>
+        <p:blipFill rotWithShape="1">
+          <a:blip r:embed="rId2">
+            <a:alphaModFix amt="40000"/>
+          </a:blip>
+          <a:srcRect t="8050" b="1589"/>
+          <a:stretch/>
+        </p:blipFill>
+        <p:spPr>
+          <a:xfrm>
+            <a:off x="-3049" y="-6"/>
+            <a:ext cx="12192001" cy="6858001"/>
+          </a:xfrm>
+          <a:prstGeom prst="rect">
+            <a:avLst/>
+          </a:prstGeom>
+        </p:spPr>
+      </p:pic>
+      <p:sp>
+        <p:nvSpPr>
+          <p:cNvPr id="2" name="Titre 1">
+            <a:extLst>
+              <a:ext uri="{FF2B5EF4-FFF2-40B4-BE49-F238E27FC236}">
+                <a16:creationId xmlns:a16="http://schemas.microsoft.com/office/drawing/2014/main" id="{1BC88DF3-63A5-3B43-8616-129FCB7B43DD}"/>
+              </a:ext>
+            </a:extLst>
+          </p:cNvPr>
+          <p:cNvSpPr>
+            <a:spLocks noGrp="1"/>
+          </p:cNvSpPr>
+          <p:nvPr>
+            <p:ph type="ctrTitle"/>
+          </p:nvPr>
+        </p:nvSpPr>
+        <p:spPr>
+          <a:xfrm>
+            <a:off x="631081" y="1971185"/>
+            <a:ext cx="11421581" cy="2334248"/>
+          </a:xfrm>
+        </p:spPr>
+        <p:txBody>
+          <a:bodyPr anchor="t">
+            <a:normAutofit/>
+          </a:bodyPr>
+          <a:lstStyle/>
+          <a:p>
+            <a:pPr>
+              <a:lnSpc>
+                <a:spcPct val="90000"/>
+              </a:lnSpc>
+            </a:pPr>
+            <a:endParaRPr lang="fr-FR" sz="5000" dirty="0">
+              <a:solidFill>
+                <a:srgbClr val="FFFFFF"/>
+              </a:solidFill>
+            </a:endParaRPr>
+          </a:p>
+        </p:txBody>
+      </p:sp>
+      <p:sp>
+        <p:nvSpPr>
+          <p:cNvPr id="3" name="Sous-titre 2">
+            <a:extLst>
+              <a:ext uri="{FF2B5EF4-FFF2-40B4-BE49-F238E27FC236}">
+                <a16:creationId xmlns:a16="http://schemas.microsoft.com/office/drawing/2014/main" id="{9DF7D3AB-199F-7C8C-F164-BEC85B6C2674}"/>
+              </a:ext>
+            </a:extLst>
+          </p:cNvPr>
+          <p:cNvSpPr>
+            <a:spLocks noGrp="1"/>
+          </p:cNvSpPr>
+          <p:nvPr>
+            <p:ph type="subTitle" idx="1"/>
+          </p:nvPr>
+        </p:nvSpPr>
+        <p:spPr>
+          <a:xfrm>
+            <a:off x="744293" y="5017577"/>
+            <a:ext cx="5040785" cy="1724029"/>
+          </a:xfrm>
+        </p:spPr>
+        <p:txBody>
+          <a:bodyPr anchor="t">
+            <a:normAutofit/>
+          </a:bodyPr>
+          <a:lstStyle/>
+          <a:p>
+            <a:endParaRPr lang="fr-FR" b="1" dirty="0">
+              <a:solidFill>
+                <a:srgbClr val="FFFFFF"/>
+              </a:solidFill>
+            </a:endParaRPr>
+          </a:p>
+        </p:txBody>
+      </p:sp>
+      <p:sp>
+        <p:nvSpPr>
+          <p:cNvPr id="226" name="Rectangle 225">
+            <a:extLst>
+              <a:ext uri="{FF2B5EF4-FFF2-40B4-BE49-F238E27FC236}">
+                <a16:creationId xmlns:a16="http://schemas.microsoft.com/office/drawing/2014/main" id="{B2C335F7-F61C-4EB4-80F2-4B1438FE66BB}"/>
+              </a:ext>
+              <a:ext uri="{C183D7F6-B498-43B3-948B-1728B52AA6E4}">
+                <adec:decorative xmlns:adec="http://schemas.microsoft.com/office/drawing/2017/decorative" val="1"/>
+              </a:ext>
+            </a:extLst>
+          </p:cNvPr>
+          <p:cNvSpPr>
+            <a:spLocks noGrp="1" noRot="1" noChangeAspect="1" noMove="1" noResize="1" noEditPoints="1" noAdjustHandles="1" noChangeArrowheads="1" noChangeShapeType="1" noTextEdit="1"/>
+          </p:cNvSpPr>
+          <p:nvPr>
+            <p:extLst>
+              <p:ext uri="{386F3935-93C4-4BCD-93E2-E3B085C9AB24}">
+                <p16:designElem xmlns:p16="http://schemas.microsoft.com/office/powerpoint/2015/main" val="1"/>
+              </p:ext>
+            </p:extLst>
+          </p:nvPr>
+        </p:nvSpPr>
+        <p:spPr>
+          <a:xfrm>
+            <a:off x="517870" y="508090"/>
+            <a:ext cx="5021183" cy="149279"/>
+          </a:xfrm>
+          <a:prstGeom prst="rect">
+            <a:avLst/>
+          </a:prstGeom>
+          <a:solidFill>
+            <a:srgbClr val="FFFFFF"/>
+          </a:solidFill>
+          <a:ln>
+            <a:noFill/>
+          </a:ln>
+        </p:spPr>
+        <p:style>
+          <a:lnRef idx="2">
+            <a:schemeClr val="accent1">
+              <a:shade val="50000"/>
+            </a:schemeClr>
+          </a:lnRef>
+          <a:fillRef idx="1">
+            <a:schemeClr val="accent1"/>
+          </a:fillRef>
+          <a:effectRef idx="0">
+            <a:schemeClr val="accent1"/>
+          </a:effectRef>
+          <a:fontRef idx="minor">
+            <a:schemeClr val="lt1"/>
+          </a:fontRef>
+        </p:style>
+        <p:txBody>
+          <a:bodyPr rtlCol="0" anchor="ctr"/>
+          <a:lstStyle/>
+          <a:p>
+            <a:pPr algn="ctr"/>
+            <a:endParaRPr lang="en-US"/>
+          </a:p>
+        </p:txBody>
+      </p:sp>
+      <p:pic>
+        <p:nvPicPr>
+          <p:cNvPr id="3074" name="Picture 2" descr="NHS England - Wikipedia">
+            <a:extLst>
+              <a:ext uri="{FF2B5EF4-FFF2-40B4-BE49-F238E27FC236}">
+                <a16:creationId xmlns:a16="http://schemas.microsoft.com/office/drawing/2014/main" id="{334D862A-A773-3C7F-F371-D183C2481E2C}"/>
+              </a:ext>
+            </a:extLst>
+          </p:cNvPr>
+          <p:cNvPicPr>
+            <a:picLocks noChangeAspect="1" noChangeArrowheads="1"/>
+          </p:cNvPicPr>
+          <p:nvPr/>
+        </p:nvPicPr>
+        <p:blipFill>
+          <a:blip r:embed="rId3">
+            <a:extLst>
+              <a:ext uri="{28A0092B-C50C-407E-A947-70E740481C1C}">
+                <a14:useLocalDpi xmlns:a14="http://schemas.microsoft.com/office/drawing/2010/main" val="0"/>
+              </a:ext>
+            </a:extLst>
+          </a:blip>
+          <a:srcRect/>
+          <a:stretch>
+            <a:fillRect/>
+          </a:stretch>
+        </p:blipFill>
+        <p:spPr bwMode="auto">
+          <a:xfrm rot="437067">
+            <a:off x="8076822" y="3940772"/>
+            <a:ext cx="3445887" cy="2686164"/>
+          </a:xfrm>
+          <a:prstGeom prst="rect">
+            <a:avLst/>
+          </a:prstGeom>
+          <a:noFill/>
+          <a:extLst>
+            <a:ext uri="{909E8E84-426E-40DD-AFC4-6F175D3DCCD1}">
+              <a14:hiddenFill xmlns:a14="http://schemas.microsoft.com/office/drawing/2010/main">
+                <a:solidFill>
+                  <a:srgbClr val="FFFFFF"/>
+                </a:solidFill>
+              </a14:hiddenFill>
+            </a:ext>
+          </a:extLst>
+        </p:spPr>
+      </p:pic>
+      <p:pic>
+        <p:nvPicPr>
+          <p:cNvPr id="3076" name="Picture 4" descr="Fuite de données Facebook : comment protéger vos données ? | CNIL">
+            <a:extLst>
+              <a:ext uri="{FF2B5EF4-FFF2-40B4-BE49-F238E27FC236}">
+                <a16:creationId xmlns:a16="http://schemas.microsoft.com/office/drawing/2014/main" id="{00A1D085-E943-EC28-A487-FE5619F85596}"/>
+              </a:ext>
+            </a:extLst>
+          </p:cNvPr>
+          <p:cNvPicPr>
+            <a:picLocks noChangeAspect="1" noChangeArrowheads="1"/>
+          </p:cNvPicPr>
+          <p:nvPr/>
+        </p:nvPicPr>
+        <p:blipFill>
+          <a:blip r:embed="rId4">
+            <a:extLst>
+              <a:ext uri="{28A0092B-C50C-407E-A947-70E740481C1C}">
+                <a14:useLocalDpi xmlns:a14="http://schemas.microsoft.com/office/drawing/2010/main" val="0"/>
+              </a:ext>
+            </a:extLst>
+          </a:blip>
+          <a:srcRect/>
+          <a:stretch>
+            <a:fillRect/>
+          </a:stretch>
+        </p:blipFill>
+        <p:spPr bwMode="auto">
+          <a:xfrm rot="21323133">
+            <a:off x="1112537" y="861139"/>
+            <a:ext cx="6005284" cy="3079633"/>
+          </a:xfrm>
+          <a:prstGeom prst="rect">
+            <a:avLst/>
+          </a:prstGeom>
+          <a:noFill/>
+          <a:extLst>
+            <a:ext uri="{909E8E84-426E-40DD-AFC4-6F175D3DCCD1}">
+              <a14:hiddenFill xmlns:a14="http://schemas.microsoft.com/office/drawing/2010/main">
+                <a:solidFill>
+                  <a:srgbClr val="FFFFFF"/>
+                </a:solidFill>
+              </a14:hiddenFill>
+            </a:ext>
+          </a:extLst>
+        </p:spPr>
+      </p:pic>
+    </p:spTree>
+    <p:extLst>
+      <p:ext uri="{BB962C8B-B14F-4D97-AF65-F5344CB8AC3E}">
+        <p14:creationId xmlns:p14="http://schemas.microsoft.com/office/powerpoint/2010/main" val="3448425518"/>
+      </p:ext>
+    </p:extLst>
+  </p:cSld>
+  <p:clrMapOvr>
+    <a:masterClrMapping/>
+  </p:clrMapOvr>
+  <mc:AlternateContent xmlns:mc="http://schemas.openxmlformats.org/markup-compatibility/2006">
+    <mc:Choice xmlns:p14="http://schemas.microsoft.com/office/powerpoint/2010/main" Requires="p14">
+      <p:transition spd="slow" p14:dur="3900">
+        <p14:glitter pattern="hexagon"/>
+      </p:transition>
+    </mc:Choice>
+    <mc:Fallback>
+      <p:transition spd="slow">
+        <p:fade/>
+      </p:transition>
+    </mc:Fallback>
+  </mc:AlternateContent>
+  <p:timing>
+    <p:tnLst>
+      <p:par>
+        <p:cTn id="1" dur="indefinite" restart="never" nodeType="tmRoot">
+          <p:childTnLst>
+            <p:seq concurrent="1" nextAc="seek">
+              <p:cTn id="2" dur="indefinite" nodeType="mainSeq">
+                <p:childTnLst>
+                  <p:par>
+                    <p:cTn id="3" fill="hold">
+                      <p:stCondLst>
+                        <p:cond delay="indefinite"/>
+                        <p:cond evt="onBegin" delay="0">
+                          <p:tn val="2"/>
+                        </p:cond>
+                      </p:stCondLst>
+                      <p:childTnLst>
+                        <p:par>
+                          <p:cTn id="4" fill="hold">
+                            <p:stCondLst>
+                              <p:cond delay="0"/>
+                            </p:stCondLst>
+                            <p:childTnLst>
+                              <p:par>
+                                <p:cTn id="5" presetID="10" presetClass="entr" presetSubtype="0" fill="hold" grpId="0" nodeType="withEffect" nodePh="1">
+                                  <p:stCondLst>
+                                    <p:cond delay="2000"/>
+                                  </p:stCondLst>
+                                  <p:endCondLst>
+                                    <p:cond evt="begin" delay="0">
+                                      <p:tn val="5"/>
+                                    </p:cond>
+                                  </p:endCondLst>
+                                  <p:iterate type="lt">
+                                    <p:tmPct val="10000"/>
+                                  </p:iterate>
+                                  <p:childTnLst>
+                                    <p:set>
+                                      <p:cBhvr>
+                                        <p:cTn id="6" dur="1" fill="hold">
+                                          <p:stCondLst>
+                                            <p:cond delay="0"/>
+                                          </p:stCondLst>
+                                        </p:cTn>
+                                        <p:tgtEl>
+                                          <p:spTgt spid="3">
+                                            <p:txEl>
+                                              <p:pRg st="0" end="0"/>
+                                            </p:txEl>
+                                          </p:spTgt>
+                                        </p:tgtEl>
+                                        <p:attrNameLst>
+                                          <p:attrName>style.visibility</p:attrName>
+                                        </p:attrNameLst>
+                                      </p:cBhvr>
+                                      <p:to>
+                                        <p:strVal val="visible"/>
+                                      </p:to>
+                                    </p:set>
+                                    <p:animEffect transition="in" filter="fade">
+                                      <p:cBhvr>
+                                        <p:cTn id="7" dur="400"/>
+                                        <p:tgtEl>
+                                          <p:spTgt spid="3">
+                                            <p:txEl>
+                                              <p:pRg st="0" end="0"/>
+                                            </p:txEl>
+                                          </p:spTgt>
+                                        </p:tgtEl>
+                                      </p:cBhvr>
+                                    </p:animEffect>
+                                  </p:childTnLst>
+                                </p:cTn>
+                              </p:par>
+                              <p:par>
+                                <p:cTn id="8" presetID="10" presetClass="entr" presetSubtype="0" fill="hold" grpId="0" nodeType="withEffect" nodePh="1">
+                                  <p:stCondLst>
+                                    <p:cond delay="1000"/>
+                                  </p:stCondLst>
+                                  <p:endCondLst>
+                                    <p:cond evt="begin" delay="0">
+                                      <p:tn val="8"/>
+                                    </p:cond>
+                                  </p:endCondLst>
+                                  <p:iterate type="lt">
+                                    <p:tmPct val="10000"/>
+                                  </p:iterate>
+                                  <p:childTnLst>
+                                    <p:set>
+                                      <p:cBhvr>
+                                        <p:cTn id="9" dur="1" fill="hold">
+                                          <p:stCondLst>
+                                            <p:cond delay="0"/>
+                                          </p:stCondLst>
+                                        </p:cTn>
+                                        <p:tgtEl>
+                                          <p:spTgt spid="2"/>
+                                        </p:tgtEl>
+                                        <p:attrNameLst>
+                                          <p:attrName>style.visibility</p:attrName>
+                                        </p:attrNameLst>
+                                      </p:cBhvr>
+                                      <p:to>
+                                        <p:strVal val="visible"/>
+                                      </p:to>
+                                    </p:set>
+                                    <p:animEffect transition="in" filter="fade">
+                                      <p:cBhvr>
+                                        <p:cTn id="10" dur="400"/>
+                                        <p:tgtEl>
+                                          <p:spTgt spid="2"/>
+                                        </p:tgtEl>
+                                      </p:cBhvr>
+                                    </p:animEffect>
+                                  </p:childTnLst>
+                                </p:cTn>
+                              </p:par>
+                            </p:childTnLst>
+                          </p:cTn>
+                        </p:par>
+                      </p:childTnLst>
+                    </p:cTn>
+                  </p:par>
+                </p:childTnLst>
+              </p:cTn>
+              <p:prevCondLst>
+                <p:cond evt="onPrev" delay="0">
+                  <p:tgtEl>
+                    <p:sldTgt/>
+                  </p:tgtEl>
+                </p:cond>
+              </p:prevCondLst>
+              <p:nextCondLst>
+                <p:cond evt="onNext" delay="0">
+                  <p:tgtEl>
+                    <p:sldTgt/>
+                  </p:tgtEl>
+                </p:cond>
+              </p:nextCondLst>
+            </p:seq>
+          </p:childTnLst>
+        </p:cTn>
+      </p:par>
+    </p:tnLst>
+    <p:bldLst>
+      <p:bldP spid="2" grpId="0"/>
+      <p:bldP spid="3" grpId="0" build="p"/>
+    </p:bldLst>
+  </p:timing>
+</p:sld>
+</file>
+
+<file path=ppt/slides/slide6.xml><?xml version="1.0" encoding="utf-8"?>
+<p:sld xmlns:a="http://schemas.openxmlformats.org/drawingml/2006/main" xmlns:r="http://schemas.openxmlformats.org/officeDocument/2006/relationships" xmlns:p="http://schemas.openxmlformats.org/presentationml/2006/main">
+  <p:cSld>
+    <p:bg>
+      <p:bgPr>
+        <a:solidFill>
+          <a:schemeClr val="bg2"/>
+        </a:solidFill>
+        <a:effectLst/>
+      </p:bgPr>
+    </p:bg>
+    <p:spTree>
+      <p:nvGrpSpPr>
+        <p:cNvPr id="1" name=""/>
+        <p:cNvGrpSpPr/>
+        <p:nvPr/>
+      </p:nvGrpSpPr>
+      <p:grpSpPr>
+        <a:xfrm>
+          <a:off x="0" y="0"/>
+          <a:ext cx="0" cy="0"/>
+          <a:chOff x="0" y="0"/>
+          <a:chExt cx="0" cy="0"/>
+        </a:xfrm>
+      </p:grpSpPr>
+      <p:sp useBgFill="1">
+        <p:nvSpPr>
+          <p:cNvPr id="225" name="Rectangle 221">
+            <a:extLst>
+              <a:ext uri="{FF2B5EF4-FFF2-40B4-BE49-F238E27FC236}">
+                <a16:creationId xmlns:a16="http://schemas.microsoft.com/office/drawing/2014/main" id="{956C5C09-0043-4549-B800-2101B70D667D}"/>
+              </a:ext>
+              <a:ext uri="{C183D7F6-B498-43B3-948B-1728B52AA6E4}">
+                <adec:decorative xmlns:adec="http://schemas.microsoft.com/office/drawing/2017/decorative" val="1"/>
+              </a:ext>
+            </a:extLst>
+          </p:cNvPr>
+          <p:cNvSpPr>
+            <a:spLocks noGrp="1" noRot="1" noChangeAspect="1" noMove="1" noResize="1" noEditPoints="1" noAdjustHandles="1" noChangeArrowheads="1" noChangeShapeType="1" noTextEdit="1"/>
+          </p:cNvSpPr>
+          <p:nvPr>
+            <p:extLst>
+              <p:ext uri="{386F3935-93C4-4BCD-93E2-E3B085C9AB24}">
+                <p16:designElem xmlns:p16="http://schemas.microsoft.com/office/powerpoint/2015/main" val="1"/>
+              </p:ext>
+            </p:extLst>
+          </p:nvPr>
+        </p:nvSpPr>
+        <p:spPr>
+          <a:xfrm>
+            <a:off x="0" y="0"/>
+            <a:ext cx="12188952" cy="6857995"/>
+          </a:xfrm>
+          <a:prstGeom prst="rect">
+            <a:avLst/>
+          </a:prstGeom>
+          <a:ln>
+            <a:noFill/>
+          </a:ln>
+        </p:spPr>
+        <p:style>
+          <a:lnRef idx="2">
+            <a:schemeClr val="accent1">
+              <a:shade val="50000"/>
+            </a:schemeClr>
+          </a:lnRef>
+          <a:fillRef idx="1">
+            <a:schemeClr val="accent1"/>
+          </a:fillRef>
+          <a:effectRef idx="0">
+            <a:schemeClr val="accent1"/>
+          </a:effectRef>
+          <a:fontRef idx="minor">
+            <a:schemeClr val="lt1"/>
+          </a:fontRef>
+        </p:style>
+        <p:txBody>
+          <a:bodyPr rtlCol="0" anchor="ctr"/>
+          <a:lstStyle/>
+          <a:p>
+            <a:pPr algn="ctr"/>
+            <a:endParaRPr lang="en-US" dirty="0"/>
+          </a:p>
+        </p:txBody>
+      </p:sp>
+      <p:sp>
+        <p:nvSpPr>
+          <p:cNvPr id="224" name="Rectangle 223">
+            <a:extLst>
+              <a:ext uri="{FF2B5EF4-FFF2-40B4-BE49-F238E27FC236}">
+                <a16:creationId xmlns:a16="http://schemas.microsoft.com/office/drawing/2014/main" id="{B7E2F724-2FB3-4D1D-A730-739B8654C030}"/>
+              </a:ext>
+              <a:ext uri="{C183D7F6-B498-43B3-948B-1728B52AA6E4}">
+                <adec:decorative xmlns:adec="http://schemas.microsoft.com/office/drawing/2017/decorative" val="1"/>
+              </a:ext>
+            </a:extLst>
+          </p:cNvPr>
+          <p:cNvSpPr>
+            <a:spLocks noGrp="1" noRot="1" noChangeAspect="1" noMove="1" noResize="1" noEditPoints="1" noAdjustHandles="1" noChangeArrowheads="1" noChangeShapeType="1" noTextEdit="1"/>
+          </p:cNvSpPr>
+          <p:nvPr>
+            <p:extLst>
+              <p:ext uri="{386F3935-93C4-4BCD-93E2-E3B085C9AB24}">
+                <p16:designElem xmlns:p16="http://schemas.microsoft.com/office/powerpoint/2015/main" val="1"/>
+              </p:ext>
+            </p:extLst>
+          </p:nvPr>
+        </p:nvSpPr>
+        <p:spPr>
+          <a:xfrm>
+            <a:off x="0" y="-2"/>
+            <a:ext cx="12192000" cy="6858001"/>
+          </a:xfrm>
+          <a:prstGeom prst="rect">
+            <a:avLst/>
+          </a:prstGeom>
+          <a:solidFill>
+            <a:srgbClr val="000000"/>
+          </a:solidFill>
+          <a:ln>
+            <a:noFill/>
+          </a:ln>
+        </p:spPr>
+        <p:style>
+          <a:lnRef idx="2">
+            <a:schemeClr val="accent1">
+              <a:shade val="50000"/>
+            </a:schemeClr>
+          </a:lnRef>
+          <a:fillRef idx="1">
+            <a:schemeClr val="accent1"/>
+          </a:fillRef>
+          <a:effectRef idx="0">
+            <a:schemeClr val="accent1"/>
+          </a:effectRef>
+          <a:fontRef idx="minor">
+            <a:schemeClr val="lt1"/>
+          </a:fontRef>
+        </p:style>
+        <p:txBody>
+          <a:bodyPr rtlCol="0" anchor="ctr"/>
+          <a:lstStyle/>
+          <a:p>
+            <a:pPr algn="ctr"/>
+            <a:endParaRPr lang="en-US" dirty="0"/>
+          </a:p>
+        </p:txBody>
+      </p:sp>
+      <p:pic>
+        <p:nvPicPr>
+          <p:cNvPr id="227" name="Picture 3">
+            <a:extLst>
+              <a:ext uri="{FF2B5EF4-FFF2-40B4-BE49-F238E27FC236}">
+                <a16:creationId xmlns:a16="http://schemas.microsoft.com/office/drawing/2014/main" id="{8BB61531-DE76-CB29-E269-1F7DFBFF9E31}"/>
+              </a:ext>
+            </a:extLst>
+          </p:cNvPr>
+          <p:cNvPicPr>
+            <a:picLocks noChangeAspect="1"/>
+          </p:cNvPicPr>
+          <p:nvPr/>
+        </p:nvPicPr>
+        <p:blipFill rotWithShape="1">
+          <a:blip r:embed="rId2">
+            <a:alphaModFix amt="40000"/>
+          </a:blip>
+          <a:srcRect t="8050" b="1589"/>
+          <a:stretch/>
+        </p:blipFill>
+        <p:spPr>
+          <a:xfrm>
+            <a:off x="-3049" y="-6"/>
+            <a:ext cx="12192001" cy="6858001"/>
+          </a:xfrm>
+          <a:prstGeom prst="rect">
+            <a:avLst/>
+          </a:prstGeom>
+        </p:spPr>
+      </p:pic>
+      <p:sp>
+        <p:nvSpPr>
+          <p:cNvPr id="2" name="Titre 1">
+            <a:extLst>
+              <a:ext uri="{FF2B5EF4-FFF2-40B4-BE49-F238E27FC236}">
+                <a16:creationId xmlns:a16="http://schemas.microsoft.com/office/drawing/2014/main" id="{1BC88DF3-63A5-3B43-8616-129FCB7B43DD}"/>
+              </a:ext>
+            </a:extLst>
+          </p:cNvPr>
+          <p:cNvSpPr>
+            <a:spLocks noGrp="1"/>
+          </p:cNvSpPr>
+          <p:nvPr>
+            <p:ph type="ctrTitle"/>
+          </p:nvPr>
+        </p:nvSpPr>
+        <p:spPr>
+          <a:xfrm>
+            <a:off x="631081" y="1971185"/>
+            <a:ext cx="11421581" cy="2334248"/>
+          </a:xfrm>
+        </p:spPr>
+        <p:txBody>
+          <a:bodyPr anchor="t">
+            <a:normAutofit/>
+          </a:bodyPr>
+          <a:lstStyle/>
+          <a:p>
+            <a:pPr>
+              <a:lnSpc>
+                <a:spcPct val="90000"/>
+              </a:lnSpc>
+            </a:pPr>
+            <a:endParaRPr lang="fr-FR" sz="5000" dirty="0">
+              <a:solidFill>
+                <a:srgbClr val="FFFFFF"/>
+              </a:solidFill>
+            </a:endParaRPr>
+          </a:p>
+        </p:txBody>
+      </p:sp>
+      <p:sp>
+        <p:nvSpPr>
+          <p:cNvPr id="3" name="Sous-titre 2">
+            <a:extLst>
+              <a:ext uri="{FF2B5EF4-FFF2-40B4-BE49-F238E27FC236}">
+                <a16:creationId xmlns:a16="http://schemas.microsoft.com/office/drawing/2014/main" id="{9DF7D3AB-199F-7C8C-F164-BEC85B6C2674}"/>
+              </a:ext>
+            </a:extLst>
+          </p:cNvPr>
+          <p:cNvSpPr>
+            <a:spLocks noGrp="1"/>
+          </p:cNvSpPr>
+          <p:nvPr>
+            <p:ph type="subTitle" idx="1"/>
+          </p:nvPr>
+        </p:nvSpPr>
+        <p:spPr>
+          <a:xfrm>
+            <a:off x="744293" y="5017577"/>
+            <a:ext cx="5040785" cy="1724029"/>
+          </a:xfrm>
+        </p:spPr>
+        <p:txBody>
+          <a:bodyPr anchor="t">
+            <a:normAutofit/>
+          </a:bodyPr>
+          <a:lstStyle/>
+          <a:p>
+            <a:endParaRPr lang="fr-FR" b="1" dirty="0">
+              <a:solidFill>
+                <a:srgbClr val="FFFFFF"/>
+              </a:solidFill>
+            </a:endParaRPr>
+          </a:p>
+        </p:txBody>
+      </p:sp>
+      <p:sp>
+        <p:nvSpPr>
+          <p:cNvPr id="226" name="Rectangle 225">
+            <a:extLst>
+              <a:ext uri="{FF2B5EF4-FFF2-40B4-BE49-F238E27FC236}">
+                <a16:creationId xmlns:a16="http://schemas.microsoft.com/office/drawing/2014/main" id="{B2C335F7-F61C-4EB4-80F2-4B1438FE66BB}"/>
+              </a:ext>
+              <a:ext uri="{C183D7F6-B498-43B3-948B-1728B52AA6E4}">
+                <adec:decorative xmlns:adec="http://schemas.microsoft.com/office/drawing/2017/decorative" val="1"/>
+              </a:ext>
+            </a:extLst>
+          </p:cNvPr>
+          <p:cNvSpPr>
+            <a:spLocks noGrp="1" noRot="1" noChangeAspect="1" noMove="1" noResize="1" noEditPoints="1" noAdjustHandles="1" noChangeArrowheads="1" noChangeShapeType="1" noTextEdit="1"/>
+          </p:cNvSpPr>
+          <p:nvPr>
+            <p:extLst>
+              <p:ext uri="{386F3935-93C4-4BCD-93E2-E3B085C9AB24}">
+                <p16:designElem xmlns:p16="http://schemas.microsoft.com/office/powerpoint/2015/main" val="1"/>
+              </p:ext>
+            </p:extLst>
+          </p:nvPr>
+        </p:nvSpPr>
+        <p:spPr>
+          <a:xfrm>
+            <a:off x="517870" y="508090"/>
+            <a:ext cx="5021183" cy="149279"/>
+          </a:xfrm>
+          <a:prstGeom prst="rect">
+            <a:avLst/>
+          </a:prstGeom>
+          <a:solidFill>
+            <a:srgbClr val="FFFFFF"/>
+          </a:solidFill>
+          <a:ln>
+            <a:noFill/>
+          </a:ln>
+        </p:spPr>
+        <p:style>
+          <a:lnRef idx="2">
+            <a:schemeClr val="accent1">
+              <a:shade val="50000"/>
+            </a:schemeClr>
+          </a:lnRef>
+          <a:fillRef idx="1">
+            <a:schemeClr val="accent1"/>
+          </a:fillRef>
+          <a:effectRef idx="0">
+            <a:schemeClr val="accent1"/>
+          </a:effectRef>
+          <a:fontRef idx="minor">
+            <a:schemeClr val="lt1"/>
+          </a:fontRef>
+        </p:style>
+        <p:txBody>
+          <a:bodyPr rtlCol="0" anchor="ctr"/>
+          <a:lstStyle/>
+          <a:p>
+            <a:pPr algn="ctr"/>
+            <a:endParaRPr lang="en-US"/>
+          </a:p>
+        </p:txBody>
+      </p:sp>
+      <p:pic>
+        <p:nvPicPr>
+          <p:cNvPr id="4098" name="Picture 2" descr="RGPD : 5 points clés pour réussir sa mise en conformité - Petrel et Associés">
+            <a:extLst>
+              <a:ext uri="{FF2B5EF4-FFF2-40B4-BE49-F238E27FC236}">
+                <a16:creationId xmlns:a16="http://schemas.microsoft.com/office/drawing/2014/main" id="{EB6EB654-FA4D-3001-4130-5BADDF7654C3}"/>
+              </a:ext>
+            </a:extLst>
+          </p:cNvPr>
+          <p:cNvPicPr>
+            <a:picLocks noChangeAspect="1" noChangeArrowheads="1"/>
+          </p:cNvPicPr>
+          <p:nvPr/>
+        </p:nvPicPr>
+        <p:blipFill>
+          <a:blip r:embed="rId3">
+            <a:extLst>
+              <a:ext uri="{28A0092B-C50C-407E-A947-70E740481C1C}">
+                <a14:useLocalDpi xmlns:a14="http://schemas.microsoft.com/office/drawing/2010/main" val="0"/>
+              </a:ext>
+            </a:extLst>
+          </a:blip>
+          <a:srcRect/>
+          <a:stretch>
+            <a:fillRect/>
+          </a:stretch>
+        </p:blipFill>
+        <p:spPr bwMode="auto">
+          <a:xfrm rot="21309711">
+            <a:off x="1413020" y="995184"/>
+            <a:ext cx="2143125" cy="2143125"/>
+          </a:xfrm>
+          <a:prstGeom prst="rect">
+            <a:avLst/>
+          </a:prstGeom>
+          <a:noFill/>
+          <a:extLst>
+            <a:ext uri="{909E8E84-426E-40DD-AFC4-6F175D3DCCD1}">
+              <a14:hiddenFill xmlns:a14="http://schemas.microsoft.com/office/drawing/2010/main">
+                <a:solidFill>
+                  <a:srgbClr val="FFFFFF"/>
+                </a:solidFill>
+              </a14:hiddenFill>
+            </a:ext>
+          </a:extLst>
+        </p:spPr>
+      </p:pic>
+      <p:pic>
+        <p:nvPicPr>
+          <p:cNvPr id="4" name="Image 3">
+            <a:extLst>
+              <a:ext uri="{FF2B5EF4-FFF2-40B4-BE49-F238E27FC236}">
+                <a16:creationId xmlns:a16="http://schemas.microsoft.com/office/drawing/2014/main" id="{A6FB3B37-7C78-135E-D493-07F59DC3F915}"/>
+              </a:ext>
+            </a:extLst>
+          </p:cNvPr>
+          <p:cNvPicPr>
+            <a:picLocks noChangeAspect="1"/>
+          </p:cNvPicPr>
+          <p:nvPr/>
+        </p:nvPicPr>
+        <p:blipFill>
+          <a:blip r:embed="rId4"/>
+          <a:stretch>
+            <a:fillRect/>
+          </a:stretch>
+        </p:blipFill>
+        <p:spPr>
+          <a:xfrm rot="621092">
+            <a:off x="3775292" y="3749585"/>
+            <a:ext cx="7458075" cy="2600325"/>
+          </a:xfrm>
+          <a:prstGeom prst="rect">
+            <a:avLst/>
+          </a:prstGeom>
+        </p:spPr>
+      </p:pic>
+    </p:spTree>
+    <p:extLst>
+      <p:ext uri="{BB962C8B-B14F-4D97-AF65-F5344CB8AC3E}">
+        <p14:creationId xmlns:p14="http://schemas.microsoft.com/office/powerpoint/2010/main" val="3635865835"/>
+      </p:ext>
+    </p:extLst>
+  </p:cSld>
+  <p:clrMapOvr>
+    <a:masterClrMapping/>
+  </p:clrMapOvr>
+  <mc:AlternateContent xmlns:mc="http://schemas.openxmlformats.org/markup-compatibility/2006">
+    <mc:Choice xmlns:p14="http://schemas.microsoft.com/office/powerpoint/2010/main" Requires="p14">
+      <p:transition spd="slow" p14:dur="3900">
+        <p14:glitter pattern="hexagon"/>
+      </p:transition>
+    </mc:Choice>
+    <mc:Fallback>
+      <p:transition spd="slow">
+        <p:fade/>
+      </p:transition>
+    </mc:Fallback>
+  </mc:AlternateContent>
+  <p:timing>
+    <p:tnLst>
+      <p:par>
+        <p:cTn id="1" dur="indefinite" restart="never" nodeType="tmRoot">
+          <p:childTnLst>
+            <p:seq concurrent="1" nextAc="seek">
+              <p:cTn id="2" dur="indefinite" nodeType="mainSeq">
+                <p:childTnLst>
+                  <p:par>
+                    <p:cTn id="3" fill="hold">
+                      <p:stCondLst>
+                        <p:cond delay="indefinite"/>
+                        <p:cond evt="onBegin" delay="0">
+                          <p:tn val="2"/>
+                        </p:cond>
+                      </p:stCondLst>
+                      <p:childTnLst>
+                        <p:par>
+                          <p:cTn id="4" fill="hold">
+                            <p:stCondLst>
+                              <p:cond delay="0"/>
+                            </p:stCondLst>
+                            <p:childTnLst>
+                              <p:par>
+                                <p:cTn id="5" presetID="10" presetClass="entr" presetSubtype="0" fill="hold" grpId="0" nodeType="withEffect" nodePh="1">
+                                  <p:stCondLst>
+                                    <p:cond delay="2000"/>
+                                  </p:stCondLst>
+                                  <p:endCondLst>
+                                    <p:cond evt="begin" delay="0">
+                                      <p:tn val="5"/>
+                                    </p:cond>
+                                  </p:endCondLst>
+                                  <p:iterate type="lt">
+                                    <p:tmPct val="10000"/>
+                                  </p:iterate>
+                                  <p:childTnLst>
+                                    <p:set>
+                                      <p:cBhvr>
+                                        <p:cTn id="6" dur="1" fill="hold">
+                                          <p:stCondLst>
+                                            <p:cond delay="0"/>
+                                          </p:stCondLst>
+                                        </p:cTn>
+                                        <p:tgtEl>
+                                          <p:spTgt spid="3">
+                                            <p:txEl>
+                                              <p:pRg st="0" end="0"/>
+                                            </p:txEl>
+                                          </p:spTgt>
+                                        </p:tgtEl>
+                                        <p:attrNameLst>
+                                          <p:attrName>style.visibility</p:attrName>
+                                        </p:attrNameLst>
+                                      </p:cBhvr>
+                                      <p:to>
+                                        <p:strVal val="visible"/>
+                                      </p:to>
+                                    </p:set>
+                                    <p:animEffect transition="in" filter="fade">
+                                      <p:cBhvr>
+                                        <p:cTn id="7" dur="400"/>
+                                        <p:tgtEl>
+                                          <p:spTgt spid="3">
+                                            <p:txEl>
+                                              <p:pRg st="0" end="0"/>
+                                            </p:txEl>
+                                          </p:spTgt>
+                                        </p:tgtEl>
+                                      </p:cBhvr>
+                                    </p:animEffect>
+                                  </p:childTnLst>
+                                </p:cTn>
+                              </p:par>
+                              <p:par>
+                                <p:cTn id="8" presetID="10" presetClass="entr" presetSubtype="0" fill="hold" grpId="0" nodeType="withEffect" nodePh="1">
+                                  <p:stCondLst>
+                                    <p:cond delay="1000"/>
+                                  </p:stCondLst>
+                                  <p:endCondLst>
+                                    <p:cond evt="begin" delay="0">
+                                      <p:tn val="8"/>
+                                    </p:cond>
+                                  </p:endCondLst>
+                                  <p:iterate type="lt">
+                                    <p:tmPct val="10000"/>
+                                  </p:iterate>
+                                  <p:childTnLst>
+                                    <p:set>
+                                      <p:cBhvr>
+                                        <p:cTn id="9" dur="1" fill="hold">
+                                          <p:stCondLst>
+                                            <p:cond delay="0"/>
+                                          </p:stCondLst>
+                                        </p:cTn>
+                                        <p:tgtEl>
+                                          <p:spTgt spid="2"/>
+                                        </p:tgtEl>
+                                        <p:attrNameLst>
+                                          <p:attrName>style.visibility</p:attrName>
+                                        </p:attrNameLst>
+                                      </p:cBhvr>
+                                      <p:to>
+                                        <p:strVal val="visible"/>
+                                      </p:to>
+                                    </p:set>
+                                    <p:animEffect transition="in" filter="fade">
+                                      <p:cBhvr>
+                                        <p:cTn id="10" dur="400"/>
+                                        <p:tgtEl>
+                                          <p:spTgt spid="2"/>
+                                        </p:tgtEl>
+                                      </p:cBhvr>
+                                    </p:animEffect>
+                                  </p:childTnLst>
+                                </p:cTn>
+                              </p:par>
+                            </p:childTnLst>
+                          </p:cTn>
+                        </p:par>
+                      </p:childTnLst>
+                    </p:cTn>
+                  </p:par>
+                </p:childTnLst>
+              </p:cTn>
+              <p:prevCondLst>
+                <p:cond evt="onPrev" delay="0">
+                  <p:tgtEl>
+                    <p:sldTgt/>
+                  </p:tgtEl>
+                </p:cond>
+              </p:prevCondLst>
+              <p:nextCondLst>
+                <p:cond evt="onNext" delay="0">
+                  <p:tgtEl>
+                    <p:sldTgt/>
+                  </p:tgtEl>
+                </p:cond>
+              </p:nextCondLst>
+            </p:seq>
+          </p:childTnLst>
+        </p:cTn>
+      </p:par>
+    </p:tnLst>
+    <p:bldLst>
+      <p:bldP spid="2" grpId="0"/>
+      <p:bldP spid="3" grpId="0" build="p"/>
+    </p:bldLst>
+  </p:timing>
 </p:sld>
 </file>
 

--- a/diapo.pptx
+++ b/diapo.pptx
@@ -273,7 +273,7 @@
           <a:p>
             <a:fld id="{5E7AA473-D82F-4EFF-9DF7-AE6D83C51288}" type="datetime1">
               <a:rPr lang="en-US" smtClean="0"/>
-              <a:t>11/30/2022</a:t>
+              <a:t>12/2/2022</a:t>
             </a:fld>
             <a:endParaRPr lang="en-US"/>
           </a:p>
@@ -527,7 +527,7 @@
           <a:p>
             <a:fld id="{1E12F1F0-FE2D-4C1C-B320-8CB9BE735F0F}" type="datetime1">
               <a:rPr lang="en-US" smtClean="0"/>
-              <a:t>11/30/2022</a:t>
+              <a:t>12/2/2022</a:t>
             </a:fld>
             <a:endParaRPr lang="en-US"/>
           </a:p>
@@ -795,7 +795,7 @@
           <a:p>
             <a:fld id="{2CF1B96C-10FD-4EBC-9029-9652B7535D02}" type="datetime1">
               <a:rPr lang="en-US" smtClean="0"/>
-              <a:t>11/30/2022</a:t>
+              <a:t>12/2/2022</a:t>
             </a:fld>
             <a:endParaRPr lang="en-US"/>
           </a:p>
@@ -1049,7 +1049,7 @@
           <a:p>
             <a:fld id="{14878474-CC00-4A95-9D50-A41C12D1EEC4}" type="datetime1">
               <a:rPr lang="en-US" smtClean="0"/>
-              <a:t>11/30/2022</a:t>
+              <a:t>12/2/2022</a:t>
             </a:fld>
             <a:endParaRPr lang="en-US"/>
           </a:p>
@@ -1327,7 +1327,7 @@
           <a:p>
             <a:fld id="{7F38C8B4-7FBB-408F-BDB9-F0496874AFB2}" type="datetime1">
               <a:rPr lang="en-US" smtClean="0"/>
-              <a:t>11/30/2022</a:t>
+              <a:t>12/2/2022</a:t>
             </a:fld>
             <a:endParaRPr lang="en-US"/>
           </a:p>
@@ -1599,7 +1599,7 @@
           <a:p>
             <a:fld id="{2BB8EE20-A5E2-47D3-8F6D-A2BA7AB2E093}" type="datetime1">
               <a:rPr lang="en-US" smtClean="0"/>
-              <a:t>11/30/2022</a:t>
+              <a:t>12/2/2022</a:t>
             </a:fld>
             <a:endParaRPr lang="en-US"/>
           </a:p>
@@ -2157,7 +2157,7 @@
           <a:p>
             <a:fld id="{3382CF99-132F-413F-B7EF-71A5C33F2ED6}" type="datetime1">
               <a:rPr lang="en-US" smtClean="0"/>
-              <a:t>11/30/2022</a:t>
+              <a:t>12/2/2022</a:t>
             </a:fld>
             <a:endParaRPr lang="en-US"/>
           </a:p>
@@ -2299,7 +2299,7 @@
           <a:p>
             <a:fld id="{1F17AE06-98E0-4D9F-A059-92C3548821BB}" type="datetime1">
               <a:rPr lang="en-US" smtClean="0"/>
-              <a:t>11/30/2022</a:t>
+              <a:t>12/2/2022</a:t>
             </a:fld>
             <a:endParaRPr lang="en-US"/>
           </a:p>
@@ -2412,7 +2412,7 @@
           <a:p>
             <a:fld id="{FFBA00CA-3DDC-4705-B840-978EF5EA0707}" type="datetime1">
               <a:rPr lang="en-US" smtClean="0"/>
-              <a:t>11/30/2022</a:t>
+              <a:t>12/2/2022</a:t>
             </a:fld>
             <a:endParaRPr lang="en-US"/>
           </a:p>
@@ -2731,7 +2731,7 @@
           <a:p>
             <a:fld id="{FC366D49-0BBA-4C5A-AD96-6448CA63451A}" type="datetime1">
               <a:rPr lang="en-US" smtClean="0"/>
-              <a:t>11/30/2022</a:t>
+              <a:t>12/2/2022</a:t>
             </a:fld>
             <a:endParaRPr lang="en-US"/>
           </a:p>
@@ -3028,7 +3028,7 @@
           <a:p>
             <a:fld id="{4F4EB293-A316-472D-A8B4-6947CF1A12B7}" type="datetime1">
               <a:rPr lang="en-US" smtClean="0"/>
-              <a:t>11/30/2022</a:t>
+              <a:t>12/2/2022</a:t>
             </a:fld>
             <a:endParaRPr lang="en-US"/>
           </a:p>
@@ -3307,7 +3307,7 @@
           <a:p>
             <a:fld id="{734BCCD4-CEB1-405B-A443-DD9CBCBEA552}" type="datetime1">
               <a:rPr lang="en-US" smtClean="0"/>
-              <a:t>11/30/2022</a:t>
+              <a:t>12/2/2022</a:t>
             </a:fld>
             <a:endParaRPr lang="en-US"/>
           </a:p>
@@ -5106,7 +5106,7 @@
         </p:blipFill>
         <p:spPr bwMode="auto">
           <a:xfrm rot="20476609">
-            <a:off x="628033" y="1971181"/>
+            <a:off x="721645" y="1434471"/>
             <a:ext cx="2105025" cy="2105025"/>
           </a:xfrm>
           <a:prstGeom prst="rect">
@@ -5220,10 +5220,10 @@
       </p:pic>
       <p:pic>
         <p:nvPicPr>
-          <p:cNvPr id="1034" name="Picture 10">
-            <a:extLst>
-              <a:ext uri="{FF2B5EF4-FFF2-40B4-BE49-F238E27FC236}">
-                <a16:creationId xmlns:a16="http://schemas.microsoft.com/office/drawing/2014/main" id="{9589BA1B-850E-F740-41BF-1097D96BB7C6}"/>
+          <p:cNvPr id="1038" name="Picture 14" descr="Nescafé organise une pause-café géante sur Snapchat Map - Influenth">
+            <a:extLst>
+              <a:ext uri="{FF2B5EF4-FFF2-40B4-BE49-F238E27FC236}">
+                <a16:creationId xmlns:a16="http://schemas.microsoft.com/office/drawing/2014/main" id="{76179CEB-BC80-57F8-42F3-782D08DD1883}"/>
               </a:ext>
             </a:extLst>
           </p:cNvPr>
@@ -5246,9 +5246,9 @@
           </a:stretch>
         </p:blipFill>
         <p:spPr bwMode="auto">
-          <a:xfrm rot="20534274">
-            <a:off x="2787195" y="4754631"/>
-            <a:ext cx="2847975" cy="1600200"/>
+          <a:xfrm rot="546731">
+            <a:off x="8498480" y="2920460"/>
+            <a:ext cx="2066985" cy="3680699"/>
           </a:xfrm>
           <a:prstGeom prst="rect">
             <a:avLst/>
@@ -5267,49 +5267,32 @@
       </p:pic>
       <p:pic>
         <p:nvPicPr>
-          <p:cNvPr id="1038" name="Picture 14" descr="Nescafé organise une pause-café géante sur Snapchat Map - Influenth">
-            <a:extLst>
-              <a:ext uri="{FF2B5EF4-FFF2-40B4-BE49-F238E27FC236}">
-                <a16:creationId xmlns:a16="http://schemas.microsoft.com/office/drawing/2014/main" id="{76179CEB-BC80-57F8-42F3-782D08DD1883}"/>
+          <p:cNvPr id="5" name="Image 4">
+            <a:extLst>
+              <a:ext uri="{FF2B5EF4-FFF2-40B4-BE49-F238E27FC236}">
+                <a16:creationId xmlns:a16="http://schemas.microsoft.com/office/drawing/2014/main" id="{E209952D-1110-772E-291D-6FBC33147F73}"/>
               </a:ext>
             </a:extLst>
           </p:cNvPr>
           <p:cNvPicPr>
-            <a:picLocks noChangeAspect="1" noChangeArrowheads="1"/>
+            <a:picLocks noChangeAspect="1"/>
           </p:cNvPicPr>
           <p:nvPr/>
         </p:nvPicPr>
         <p:blipFill>
-          <a:blip r:embed="rId7">
-            <a:extLst>
-              <a:ext uri="{28A0092B-C50C-407E-A947-70E740481C1C}">
-                <a14:useLocalDpi xmlns:a14="http://schemas.microsoft.com/office/drawing/2010/main" val="0"/>
-              </a:ext>
-            </a:extLst>
-          </a:blip>
-          <a:srcRect/>
+          <a:blip r:embed="rId7"/>
           <a:stretch>
             <a:fillRect/>
           </a:stretch>
         </p:blipFill>
-        <p:spPr bwMode="auto">
-          <a:xfrm rot="546731">
-            <a:off x="7966671" y="2766892"/>
-            <a:ext cx="2066985" cy="3680699"/>
+        <p:spPr>
+          <a:xfrm>
+            <a:off x="3108825" y="3614211"/>
+            <a:ext cx="3513902" cy="3020182"/>
           </a:xfrm>
           <a:prstGeom prst="rect">
             <a:avLst/>
           </a:prstGeom>
-          <a:noFill/>
-          <a:extLst>
-            <a:ext uri="{909E8E84-426E-40DD-AFC4-6F175D3DCCD1}">
-              <a14:hiddenFill xmlns:a14="http://schemas.microsoft.com/office/drawing/2010/main">
-                <a:solidFill>
-                  <a:srgbClr val="FFFFFF"/>
-                </a:solidFill>
-              </a14:hiddenFill>
-            </a:ext>
-          </a:extLst>
         </p:spPr>
       </p:pic>
     </p:spTree>
@@ -5324,8 +5307,8 @@
   </p:clrMapOvr>
   <mc:AlternateContent xmlns:mc="http://schemas.openxmlformats.org/markup-compatibility/2006">
     <mc:Choice xmlns:p14="http://schemas.microsoft.com/office/powerpoint/2010/main" Requires="p14">
-      <p:transition spd="slow" p14:dur="3900">
-        <p14:glitter pattern="hexagon"/>
+      <p:transition spd="slow" p14:dur="900">
+        <p14:warp dir="in"/>
       </p:transition>
     </mc:Choice>
     <mc:Fallback>
@@ -5958,8 +5941,8 @@
   </p:clrMapOvr>
   <mc:AlternateContent xmlns:mc="http://schemas.openxmlformats.org/markup-compatibility/2006">
     <mc:Choice xmlns:p14="http://schemas.microsoft.com/office/powerpoint/2010/main" Requires="p14">
-      <p:transition spd="slow" p14:dur="3900">
-        <p14:glitter pattern="hexagon"/>
+      <p:transition spd="slow" p14:dur="900">
+        <p14:warp dir="in"/>
       </p:transition>
     </mc:Choice>
     <mc:Fallback>
@@ -6545,8 +6528,8 @@
   </p:clrMapOvr>
   <mc:AlternateContent xmlns:mc="http://schemas.openxmlformats.org/markup-compatibility/2006">
     <mc:Choice xmlns:p14="http://schemas.microsoft.com/office/powerpoint/2010/main" Requires="p14">
-      <p:transition spd="slow" p14:dur="3900">
-        <p14:glitter pattern="hexagon"/>
+      <p:transition spd="slow" p14:dur="900">
+        <p14:warp dir="in"/>
       </p:transition>
     </mc:Choice>
     <mc:Fallback>
@@ -7115,8 +7098,8 @@
   </p:clrMapOvr>
   <mc:AlternateContent xmlns:mc="http://schemas.openxmlformats.org/markup-compatibility/2006">
     <mc:Choice xmlns:p14="http://schemas.microsoft.com/office/powerpoint/2010/main" Requires="p14">
-      <p:transition spd="slow" p14:dur="3900">
-        <p14:glitter pattern="hexagon"/>
+      <p:transition spd="slow" p14:dur="900">
+        <p14:warp dir="in"/>
       </p:transition>
     </mc:Choice>
     <mc:Fallback>

--- a/diapo.pptx
+++ b/diapo.pptx
@@ -5126,10 +5126,10 @@
       </p:pic>
       <p:pic>
         <p:nvPicPr>
-          <p:cNvPr id="1028" name="Picture 4" descr="Page d'accueil - Centre d'aide Airbnb">
-            <a:extLst>
-              <a:ext uri="{FF2B5EF4-FFF2-40B4-BE49-F238E27FC236}">
-                <a16:creationId xmlns:a16="http://schemas.microsoft.com/office/drawing/2014/main" id="{4268E6A7-E29F-1B40-B56B-0E4A149B327C}"/>
+          <p:cNvPr id="1030" name="Picture 6" descr="Tablette Childwood Evolu 2 Blanc | Achetez sur eBay">
+            <a:extLst>
+              <a:ext uri="{FF2B5EF4-FFF2-40B4-BE49-F238E27FC236}">
+                <a16:creationId xmlns:a16="http://schemas.microsoft.com/office/drawing/2014/main" id="{BDE6CDA6-F240-5FF2-3CC0-44222B3BFEC7}"/>
               </a:ext>
             </a:extLst>
           </p:cNvPr>
@@ -5152,9 +5152,9 @@
           </a:stretch>
         </p:blipFill>
         <p:spPr bwMode="auto">
-          <a:xfrm rot="925743">
-            <a:off x="9507210" y="536075"/>
-            <a:ext cx="2143125" cy="2143125"/>
+          <a:xfrm>
+            <a:off x="4211182" y="978092"/>
+            <a:ext cx="3390900" cy="1352550"/>
           </a:xfrm>
           <a:prstGeom prst="rect">
             <a:avLst/>
@@ -5173,10 +5173,10 @@
       </p:pic>
       <p:pic>
         <p:nvPicPr>
-          <p:cNvPr id="1030" name="Picture 6" descr="Tablette Childwood Evolu 2 Blanc | Achetez sur eBay">
-            <a:extLst>
-              <a:ext uri="{FF2B5EF4-FFF2-40B4-BE49-F238E27FC236}">
-                <a16:creationId xmlns:a16="http://schemas.microsoft.com/office/drawing/2014/main" id="{BDE6CDA6-F240-5FF2-3CC0-44222B3BFEC7}"/>
+          <p:cNvPr id="1038" name="Picture 14" descr="Nescafé organise une pause-café géante sur Snapchat Map - Influenth">
+            <a:extLst>
+              <a:ext uri="{FF2B5EF4-FFF2-40B4-BE49-F238E27FC236}">
+                <a16:creationId xmlns:a16="http://schemas.microsoft.com/office/drawing/2014/main" id="{76179CEB-BC80-57F8-42F3-782D08DD1883}"/>
               </a:ext>
             </a:extLst>
           </p:cNvPr>
@@ -5199,9 +5199,9 @@
           </a:stretch>
         </p:blipFill>
         <p:spPr bwMode="auto">
-          <a:xfrm>
-            <a:off x="4211182" y="978092"/>
-            <a:ext cx="3390900" cy="1352550"/>
+          <a:xfrm rot="546731">
+            <a:off x="7566048" y="3832876"/>
+            <a:ext cx="1573428" cy="2801818"/>
           </a:xfrm>
           <a:prstGeom prst="rect">
             <a:avLst/>
@@ -5220,57 +5220,40 @@
       </p:pic>
       <p:pic>
         <p:nvPicPr>
-          <p:cNvPr id="1038" name="Picture 14" descr="Nescafé organise une pause-café géante sur Snapchat Map - Influenth">
-            <a:extLst>
-              <a:ext uri="{FF2B5EF4-FFF2-40B4-BE49-F238E27FC236}">
-                <a16:creationId xmlns:a16="http://schemas.microsoft.com/office/drawing/2014/main" id="{76179CEB-BC80-57F8-42F3-782D08DD1883}"/>
+          <p:cNvPr id="5" name="Image 4">
+            <a:extLst>
+              <a:ext uri="{FF2B5EF4-FFF2-40B4-BE49-F238E27FC236}">
+                <a16:creationId xmlns:a16="http://schemas.microsoft.com/office/drawing/2014/main" id="{E209952D-1110-772E-291D-6FBC33147F73}"/>
               </a:ext>
             </a:extLst>
           </p:cNvPr>
           <p:cNvPicPr>
-            <a:picLocks noChangeAspect="1" noChangeArrowheads="1"/>
+            <a:picLocks noChangeAspect="1"/>
           </p:cNvPicPr>
           <p:nvPr/>
         </p:nvPicPr>
         <p:blipFill>
-          <a:blip r:embed="rId6">
-            <a:extLst>
-              <a:ext uri="{28A0092B-C50C-407E-A947-70E740481C1C}">
-                <a14:useLocalDpi xmlns:a14="http://schemas.microsoft.com/office/drawing/2010/main" val="0"/>
-              </a:ext>
-            </a:extLst>
-          </a:blip>
-          <a:srcRect/>
+          <a:blip r:embed="rId6"/>
           <a:stretch>
             <a:fillRect/>
           </a:stretch>
         </p:blipFill>
-        <p:spPr bwMode="auto">
-          <a:xfrm rot="546731">
-            <a:off x="8498480" y="2920460"/>
-            <a:ext cx="2066985" cy="3680699"/>
+        <p:spPr>
+          <a:xfrm>
+            <a:off x="2339321" y="3644458"/>
+            <a:ext cx="3513902" cy="3020182"/>
           </a:xfrm>
           <a:prstGeom prst="rect">
             <a:avLst/>
           </a:prstGeom>
-          <a:noFill/>
-          <a:extLst>
-            <a:ext uri="{909E8E84-426E-40DD-AFC4-6F175D3DCCD1}">
-              <a14:hiddenFill xmlns:a14="http://schemas.microsoft.com/office/drawing/2010/main">
-                <a:solidFill>
-                  <a:srgbClr val="FFFFFF"/>
-                </a:solidFill>
-              </a14:hiddenFill>
-            </a:ext>
-          </a:extLst>
         </p:spPr>
       </p:pic>
       <p:pic>
         <p:nvPicPr>
-          <p:cNvPr id="5" name="Image 4">
-            <a:extLst>
-              <a:ext uri="{FF2B5EF4-FFF2-40B4-BE49-F238E27FC236}">
-                <a16:creationId xmlns:a16="http://schemas.microsoft.com/office/drawing/2014/main" id="{E209952D-1110-772E-291D-6FBC33147F73}"/>
+          <p:cNvPr id="6" name="Image 5">
+            <a:extLst>
+              <a:ext uri="{FF2B5EF4-FFF2-40B4-BE49-F238E27FC236}">
+                <a16:creationId xmlns:a16="http://schemas.microsoft.com/office/drawing/2014/main" id="{8C60CFEC-0A4E-48C8-0D0B-5BB236E0D666}"/>
               </a:ext>
             </a:extLst>
           </p:cNvPr>
@@ -5286,9 +5269,9 @@
           </a:stretch>
         </p:blipFill>
         <p:spPr>
-          <a:xfrm>
-            <a:off x="3108825" y="3614211"/>
-            <a:ext cx="3513902" cy="3020182"/>
+          <a:xfrm rot="540433">
+            <a:off x="9044765" y="374344"/>
+            <a:ext cx="2512281" cy="3470991"/>
           </a:xfrm>
           <a:prstGeom prst="rect">
             <a:avLst/>
@@ -5305,13 +5288,13 @@
   <p:clrMapOvr>
     <a:masterClrMapping/>
   </p:clrMapOvr>
-  <mc:AlternateContent xmlns:mc="http://schemas.openxmlformats.org/markup-compatibility/2006">
-    <mc:Choice xmlns:p14="http://schemas.microsoft.com/office/powerpoint/2010/main" Requires="p14">
+  <mc:AlternateContent xmlns:mc="http://schemas.openxmlformats.org/markup-compatibility/2006" xmlns:p14="http://schemas.microsoft.com/office/powerpoint/2010/main">
+    <mc:Choice Requires="p14">
       <p:transition spd="slow" p14:dur="900">
         <p14:warp dir="in"/>
       </p:transition>
     </mc:Choice>
-    <mc:Fallback>
+    <mc:Fallback xmlns="">
       <p:transition spd="slow">
         <p:fade/>
       </p:transition>
@@ -5939,13 +5922,13 @@
   <p:clrMapOvr>
     <a:masterClrMapping/>
   </p:clrMapOvr>
-  <mc:AlternateContent xmlns:mc="http://schemas.openxmlformats.org/markup-compatibility/2006">
-    <mc:Choice xmlns:p14="http://schemas.microsoft.com/office/powerpoint/2010/main" Requires="p14">
+  <mc:AlternateContent xmlns:mc="http://schemas.openxmlformats.org/markup-compatibility/2006" xmlns:p14="http://schemas.microsoft.com/office/powerpoint/2010/main">
+    <mc:Choice Requires="p14">
       <p:transition spd="slow" p14:dur="900">
         <p14:warp dir="in"/>
       </p:transition>
     </mc:Choice>
-    <mc:Fallback>
+    <mc:Fallback xmlns="">
       <p:transition spd="slow">
         <p:fade/>
       </p:transition>
@@ -6526,13 +6509,13 @@
   <p:clrMapOvr>
     <a:masterClrMapping/>
   </p:clrMapOvr>
-  <mc:AlternateContent xmlns:mc="http://schemas.openxmlformats.org/markup-compatibility/2006">
-    <mc:Choice xmlns:p14="http://schemas.microsoft.com/office/powerpoint/2010/main" Requires="p14">
+  <mc:AlternateContent xmlns:mc="http://schemas.openxmlformats.org/markup-compatibility/2006" xmlns:p14="http://schemas.microsoft.com/office/powerpoint/2010/main">
+    <mc:Choice Requires="p14">
       <p:transition spd="slow" p14:dur="900">
         <p14:warp dir="in"/>
       </p:transition>
     </mc:Choice>
-    <mc:Fallback>
+    <mc:Fallback xmlns="">
       <p:transition spd="slow">
         <p:fade/>
       </p:transition>
@@ -7096,13 +7079,13 @@
   <p:clrMapOvr>
     <a:masterClrMapping/>
   </p:clrMapOvr>
-  <mc:AlternateContent xmlns:mc="http://schemas.openxmlformats.org/markup-compatibility/2006">
-    <mc:Choice xmlns:p14="http://schemas.microsoft.com/office/powerpoint/2010/main" Requires="p14">
+  <mc:AlternateContent xmlns:mc="http://schemas.openxmlformats.org/markup-compatibility/2006" xmlns:p14="http://schemas.microsoft.com/office/powerpoint/2010/main">
+    <mc:Choice Requires="p14">
       <p:transition spd="slow" p14:dur="900">
         <p14:warp dir="in"/>
       </p:transition>
     </mc:Choice>
-    <mc:Fallback>
+    <mc:Fallback xmlns="">
       <p:transition spd="slow">
         <p:fade/>
       </p:transition>
